--- a/Documentación/draft design/bocetos estructura/design.pptx
+++ b/Documentación/draft design/bocetos estructura/design.pptx
@@ -7,7 +7,10 @@
   <p:sldIdLst>
     <p:sldId id="261" r:id="rId2"/>
     <p:sldId id="262" r:id="rId3"/>
-    <p:sldId id="259" r:id="rId4"/>
+    <p:sldId id="264" r:id="rId4"/>
+    <p:sldId id="259" r:id="rId5"/>
+    <p:sldId id="263" r:id="rId6"/>
+    <p:sldId id="265" r:id="rId7"/>
   </p:sldIdLst>
   <p:sldSz cx="12192000" cy="6858000"/>
   <p:notesSz cx="6858000" cy="9144000"/>
@@ -106,6 +109,11 @@
       </a:defRPr>
     </a:lvl9pPr>
   </p:defaultTextStyle>
+  <p:extLst>
+    <p:ext uri="{EFAFB233-063F-42B5-8137-9DF3F51BA10A}">
+      <p15:sldGuideLst xmlns:p15="http://schemas.microsoft.com/office/powerpoint/2012/main"/>
+    </p:ext>
+  </p:extLst>
 </p:presentation>
 </file>
 
@@ -256,7 +264,7 @@
           <a:p>
             <a:fld id="{28276195-600A-4F9E-A512-FEA0B05C6A37}" type="datetimeFigureOut">
               <a:rPr lang="es-ES" smtClean="0"/>
-              <a:t>28/04/2020</a:t>
+              <a:t>27/05/2020</a:t>
             </a:fld>
             <a:endParaRPr lang="es-ES"/>
           </a:p>
@@ -454,7 +462,7 @@
           <a:p>
             <a:fld id="{28276195-600A-4F9E-A512-FEA0B05C6A37}" type="datetimeFigureOut">
               <a:rPr lang="es-ES" smtClean="0"/>
-              <a:t>28/04/2020</a:t>
+              <a:t>27/05/2020</a:t>
             </a:fld>
             <a:endParaRPr lang="es-ES"/>
           </a:p>
@@ -662,7 +670,7 @@
           <a:p>
             <a:fld id="{28276195-600A-4F9E-A512-FEA0B05C6A37}" type="datetimeFigureOut">
               <a:rPr lang="es-ES" smtClean="0"/>
-              <a:t>28/04/2020</a:t>
+              <a:t>27/05/2020</a:t>
             </a:fld>
             <a:endParaRPr lang="es-ES"/>
           </a:p>
@@ -860,7 +868,7 @@
           <a:p>
             <a:fld id="{28276195-600A-4F9E-A512-FEA0B05C6A37}" type="datetimeFigureOut">
               <a:rPr lang="es-ES" smtClean="0"/>
-              <a:t>28/04/2020</a:t>
+              <a:t>27/05/2020</a:t>
             </a:fld>
             <a:endParaRPr lang="es-ES"/>
           </a:p>
@@ -1135,7 +1143,7 @@
           <a:p>
             <a:fld id="{28276195-600A-4F9E-A512-FEA0B05C6A37}" type="datetimeFigureOut">
               <a:rPr lang="es-ES" smtClean="0"/>
-              <a:t>28/04/2020</a:t>
+              <a:t>27/05/2020</a:t>
             </a:fld>
             <a:endParaRPr lang="es-ES"/>
           </a:p>
@@ -1400,7 +1408,7 @@
           <a:p>
             <a:fld id="{28276195-600A-4F9E-A512-FEA0B05C6A37}" type="datetimeFigureOut">
               <a:rPr lang="es-ES" smtClean="0"/>
-              <a:t>28/04/2020</a:t>
+              <a:t>27/05/2020</a:t>
             </a:fld>
             <a:endParaRPr lang="es-ES"/>
           </a:p>
@@ -1812,7 +1820,7 @@
           <a:p>
             <a:fld id="{28276195-600A-4F9E-A512-FEA0B05C6A37}" type="datetimeFigureOut">
               <a:rPr lang="es-ES" smtClean="0"/>
-              <a:t>28/04/2020</a:t>
+              <a:t>27/05/2020</a:t>
             </a:fld>
             <a:endParaRPr lang="es-ES"/>
           </a:p>
@@ -1953,7 +1961,7 @@
           <a:p>
             <a:fld id="{28276195-600A-4F9E-A512-FEA0B05C6A37}" type="datetimeFigureOut">
               <a:rPr lang="es-ES" smtClean="0"/>
-              <a:t>28/04/2020</a:t>
+              <a:t>27/05/2020</a:t>
             </a:fld>
             <a:endParaRPr lang="es-ES"/>
           </a:p>
@@ -2066,7 +2074,7 @@
           <a:p>
             <a:fld id="{28276195-600A-4F9E-A512-FEA0B05C6A37}" type="datetimeFigureOut">
               <a:rPr lang="es-ES" smtClean="0"/>
-              <a:t>28/04/2020</a:t>
+              <a:t>27/05/2020</a:t>
             </a:fld>
             <a:endParaRPr lang="es-ES"/>
           </a:p>
@@ -2377,7 +2385,7 @@
           <a:p>
             <a:fld id="{28276195-600A-4F9E-A512-FEA0B05C6A37}" type="datetimeFigureOut">
               <a:rPr lang="es-ES" smtClean="0"/>
-              <a:t>28/04/2020</a:t>
+              <a:t>27/05/2020</a:t>
             </a:fld>
             <a:endParaRPr lang="es-ES"/>
           </a:p>
@@ -2665,7 +2673,7 @@
           <a:p>
             <a:fld id="{28276195-600A-4F9E-A512-FEA0B05C6A37}" type="datetimeFigureOut">
               <a:rPr lang="es-ES" smtClean="0"/>
-              <a:t>28/04/2020</a:t>
+              <a:t>27/05/2020</a:t>
             </a:fld>
             <a:endParaRPr lang="es-ES"/>
           </a:p>
@@ -2906,7 +2914,7 @@
           <a:p>
             <a:fld id="{28276195-600A-4F9E-A512-FEA0B05C6A37}" type="datetimeFigureOut">
               <a:rPr lang="es-ES" smtClean="0"/>
-              <a:t>28/04/2020</a:t>
+              <a:t>27/05/2020</a:t>
             </a:fld>
             <a:endParaRPr lang="es-ES"/>
           </a:p>
@@ -3325,10 +3333,10 @@
       </p:grpSpPr>
       <p:grpSp>
         <p:nvGrpSpPr>
-          <p:cNvPr id="2" name="Grupo 1">
-            <a:extLst>
-              <a:ext uri="{FF2B5EF4-FFF2-40B4-BE49-F238E27FC236}">
-                <a16:creationId xmlns:a16="http://schemas.microsoft.com/office/drawing/2014/main" id="{3B07EC45-0FF2-414E-933C-FD4A2D321DBA}"/>
+          <p:cNvPr id="9" name="Grupo 8">
+            <a:extLst>
+              <a:ext uri="{FF2B5EF4-FFF2-40B4-BE49-F238E27FC236}">
+                <a16:creationId xmlns:a16="http://schemas.microsoft.com/office/drawing/2014/main" id="{127DE67C-23A8-432C-A3A5-B26690291335}"/>
               </a:ext>
             </a:extLst>
           </p:cNvPr>
@@ -3337,204 +3345,12 @@
         </p:nvGrpSpPr>
         <p:grpSpPr>
           <a:xfrm>
-            <a:off x="2517832" y="1935641"/>
-            <a:ext cx="5786739" cy="4221934"/>
-            <a:chOff x="2517832" y="1935641"/>
-            <a:chExt cx="5786739" cy="4221934"/>
+            <a:off x="4027165" y="1321199"/>
+            <a:ext cx="5199957" cy="4832236"/>
+            <a:chOff x="4027165" y="1321199"/>
+            <a:chExt cx="5199957" cy="4832236"/>
           </a:xfrm>
         </p:grpSpPr>
-        <p:grpSp>
-          <p:nvGrpSpPr>
-            <p:cNvPr id="17" name="Grupo 16">
-              <a:extLst>
-                <a:ext uri="{FF2B5EF4-FFF2-40B4-BE49-F238E27FC236}">
-                  <a16:creationId xmlns:a16="http://schemas.microsoft.com/office/drawing/2014/main" id="{99119F36-1002-43EA-BD5C-E27C2C6259D5}"/>
-                </a:ext>
-              </a:extLst>
-            </p:cNvPr>
-            <p:cNvGrpSpPr/>
-            <p:nvPr/>
-          </p:nvGrpSpPr>
-          <p:grpSpPr>
-            <a:xfrm>
-              <a:off x="3649165" y="3375784"/>
-              <a:ext cx="1550424" cy="1057230"/>
-              <a:chOff x="4526630" y="604008"/>
-              <a:chExt cx="1550424" cy="1057230"/>
-            </a:xfrm>
-          </p:grpSpPr>
-          <p:pic>
-            <p:nvPicPr>
-              <p:cNvPr id="6" name="Imagen 5">
-                <a:extLst>
-                  <a:ext uri="{FF2B5EF4-FFF2-40B4-BE49-F238E27FC236}">
-                    <a16:creationId xmlns:a16="http://schemas.microsoft.com/office/drawing/2014/main" id="{0C5B43F4-05B0-4262-B2E4-4252FBD35EF6}"/>
-                  </a:ext>
-                </a:extLst>
-              </p:cNvPr>
-              <p:cNvPicPr>
-                <a:picLocks noChangeAspect="1"/>
-              </p:cNvPicPr>
-              <p:nvPr/>
-            </p:nvPicPr>
-            <p:blipFill rotWithShape="1">
-              <a:blip r:embed="rId2">
-                <a:extLst>
-                  <a:ext uri="{28A0092B-C50C-407E-A947-70E740481C1C}">
-                    <a14:useLocalDpi xmlns:a14="http://schemas.microsoft.com/office/drawing/2010/main" val="0"/>
-                  </a:ext>
-                </a:extLst>
-              </a:blip>
-              <a:srcRect l="40747" t="8813" r="54140" b="81151"/>
-              <a:stretch/>
-            </p:blipFill>
-            <p:spPr>
-              <a:xfrm>
-                <a:off x="4999839" y="604008"/>
-                <a:ext cx="604007" cy="687898"/>
-              </a:xfrm>
-              <a:prstGeom prst="rect">
-                <a:avLst/>
-              </a:prstGeom>
-            </p:spPr>
-          </p:pic>
-          <p:sp>
-            <p:nvSpPr>
-              <p:cNvPr id="8" name="CuadroTexto 7">
-                <a:extLst>
-                  <a:ext uri="{FF2B5EF4-FFF2-40B4-BE49-F238E27FC236}">
-                    <a16:creationId xmlns:a16="http://schemas.microsoft.com/office/drawing/2014/main" id="{15878E9F-E6C5-4DC6-8894-5D54DEB56730}"/>
-                  </a:ext>
-                </a:extLst>
-              </p:cNvPr>
-              <p:cNvSpPr txBox="1"/>
-              <p:nvPr/>
-            </p:nvSpPr>
-            <p:spPr>
-              <a:xfrm>
-                <a:off x="4526630" y="1291906"/>
-                <a:ext cx="1550424" cy="369332"/>
-              </a:xfrm>
-              <a:prstGeom prst="rect">
-                <a:avLst/>
-              </a:prstGeom>
-              <a:noFill/>
-            </p:spPr>
-            <p:txBody>
-              <a:bodyPr wrap="none" rtlCol="0">
-                <a:spAutoFit/>
-              </a:bodyPr>
-              <a:lstStyle/>
-              <a:p>
-                <a:r>
-                  <a:rPr lang="es-ES" dirty="0"/>
-                  <a:t>Lambda: </a:t>
-                </a:r>
-                <a:r>
-                  <a:rPr lang="es-ES" dirty="0" err="1"/>
-                  <a:t>Login</a:t>
-                </a:r>
-                <a:endParaRPr lang="es-ES" dirty="0"/>
-              </a:p>
-            </p:txBody>
-          </p:sp>
-        </p:grpSp>
-        <p:grpSp>
-          <p:nvGrpSpPr>
-            <p:cNvPr id="18" name="Grupo 17">
-              <a:extLst>
-                <a:ext uri="{FF2B5EF4-FFF2-40B4-BE49-F238E27FC236}">
-                  <a16:creationId xmlns:a16="http://schemas.microsoft.com/office/drawing/2014/main" id="{E6B443FA-E7F3-4C15-94A5-C4E59FB0E0C1}"/>
-                </a:ext>
-              </a:extLst>
-            </p:cNvPr>
-            <p:cNvGrpSpPr/>
-            <p:nvPr/>
-          </p:nvGrpSpPr>
-          <p:grpSpPr>
-            <a:xfrm>
-              <a:off x="5315818" y="1935641"/>
-              <a:ext cx="1560364" cy="1057230"/>
-              <a:chOff x="6596166" y="700425"/>
-              <a:chExt cx="1560364" cy="1057230"/>
-            </a:xfrm>
-          </p:grpSpPr>
-          <p:sp>
-            <p:nvSpPr>
-              <p:cNvPr id="9" name="CuadroTexto 8">
-                <a:extLst>
-                  <a:ext uri="{FF2B5EF4-FFF2-40B4-BE49-F238E27FC236}">
-                    <a16:creationId xmlns:a16="http://schemas.microsoft.com/office/drawing/2014/main" id="{3D57AF2F-4C17-4F1C-9D21-9C4D3364CF60}"/>
-                  </a:ext>
-                </a:extLst>
-              </p:cNvPr>
-              <p:cNvSpPr txBox="1"/>
-              <p:nvPr/>
-            </p:nvSpPr>
-            <p:spPr>
-              <a:xfrm>
-                <a:off x="6596166" y="1388323"/>
-                <a:ext cx="1560364" cy="369332"/>
-              </a:xfrm>
-              <a:prstGeom prst="rect">
-                <a:avLst/>
-              </a:prstGeom>
-              <a:noFill/>
-            </p:spPr>
-            <p:txBody>
-              <a:bodyPr wrap="none" rtlCol="0">
-                <a:spAutoFit/>
-              </a:bodyPr>
-              <a:lstStyle/>
-              <a:p>
-                <a:r>
-                  <a:rPr lang="es-ES" dirty="0"/>
-                  <a:t>Lambda: </a:t>
-                </a:r>
-                <a:r>
-                  <a:rPr lang="es-ES" dirty="0" err="1"/>
-                  <a:t>Temp</a:t>
-                </a:r>
-                <a:endParaRPr lang="es-ES" dirty="0"/>
-              </a:p>
-            </p:txBody>
-          </p:sp>
-          <p:pic>
-            <p:nvPicPr>
-              <p:cNvPr id="11" name="Imagen 10">
-                <a:extLst>
-                  <a:ext uri="{FF2B5EF4-FFF2-40B4-BE49-F238E27FC236}">
-                    <a16:creationId xmlns:a16="http://schemas.microsoft.com/office/drawing/2014/main" id="{3BAD2355-984E-45E1-9417-36ECB40BADEE}"/>
-                  </a:ext>
-                </a:extLst>
-              </p:cNvPr>
-              <p:cNvPicPr>
-                <a:picLocks noChangeAspect="1"/>
-              </p:cNvPicPr>
-              <p:nvPr/>
-            </p:nvPicPr>
-            <p:blipFill rotWithShape="1">
-              <a:blip r:embed="rId2">
-                <a:extLst>
-                  <a:ext uri="{28A0092B-C50C-407E-A947-70E740481C1C}">
-                    <a14:useLocalDpi xmlns:a14="http://schemas.microsoft.com/office/drawing/2010/main" val="0"/>
-                  </a:ext>
-                </a:extLst>
-              </a:blip>
-              <a:srcRect l="40747" t="8813" r="54140" b="81151"/>
-              <a:stretch/>
-            </p:blipFill>
-            <p:spPr>
-              <a:xfrm>
-                <a:off x="7074345" y="700425"/>
-                <a:ext cx="604007" cy="687898"/>
-              </a:xfrm>
-              <a:prstGeom prst="rect">
-                <a:avLst/>
-              </a:prstGeom>
-            </p:spPr>
-          </p:pic>
-        </p:grpSp>
         <p:grpSp>
           <p:nvGrpSpPr>
             <p:cNvPr id="15" name="Grupo 14">
@@ -3549,10 +3365,10 @@
           </p:nvGrpSpPr>
           <p:grpSpPr>
             <a:xfrm>
-              <a:off x="4352334" y="4815120"/>
-              <a:ext cx="2913555" cy="1342455"/>
-              <a:chOff x="3241056" y="4743974"/>
-              <a:chExt cx="2913555" cy="1342455"/>
+              <a:off x="7007516" y="4829267"/>
+              <a:ext cx="822121" cy="1324168"/>
+              <a:chOff x="4286774" y="4743974"/>
+              <a:chExt cx="822121" cy="1324168"/>
             </a:xfrm>
           </p:grpSpPr>
           <p:pic>
@@ -3604,8 +3420,8 @@
             </p:nvSpPr>
             <p:spPr>
               <a:xfrm>
-                <a:off x="3241056" y="5717097"/>
-                <a:ext cx="2913555" cy="369332"/>
+                <a:off x="4435518" y="5744977"/>
+                <a:ext cx="524632" cy="323165"/>
               </a:xfrm>
               <a:prstGeom prst="rect">
                 <a:avLst/>
@@ -3618,211 +3434,10 @@
               </a:bodyPr>
               <a:lstStyle/>
               <a:p>
+                <a:pPr algn="ctr"/>
                 <a:r>
-                  <a:rPr lang="es-ES" dirty="0" err="1"/>
-                  <a:t>Bucket</a:t>
-                </a:r>
-                <a:r>
-                  <a:rPr lang="es-ES" dirty="0"/>
-                  <a:t>: </a:t>
-                </a:r>
-                <a:r>
-                  <a:rPr lang="es-ES" dirty="0" err="1"/>
-                  <a:t>muii</a:t>
-                </a:r>
-                <a:r>
-                  <a:rPr lang="es-ES" dirty="0"/>
-                  <a:t>-proyecto-</a:t>
-                </a:r>
-                <a:r>
-                  <a:rPr lang="es-ES" dirty="0" err="1"/>
-                  <a:t>abp</a:t>
-                </a:r>
-                <a:r>
-                  <a:rPr lang="es-ES" dirty="0"/>
-                  <a:t>-…</a:t>
-                </a:r>
-              </a:p>
-            </p:txBody>
-          </p:sp>
-        </p:grpSp>
-        <p:grpSp>
-          <p:nvGrpSpPr>
-            <p:cNvPr id="19" name="Grupo 18">
-              <a:extLst>
-                <a:ext uri="{FF2B5EF4-FFF2-40B4-BE49-F238E27FC236}">
-                  <a16:creationId xmlns:a16="http://schemas.microsoft.com/office/drawing/2014/main" id="{C7F5A04E-056B-4EB1-9CD7-D38ACD8F59E5}"/>
-                </a:ext>
-              </a:extLst>
-            </p:cNvPr>
-            <p:cNvGrpSpPr/>
-            <p:nvPr/>
-          </p:nvGrpSpPr>
-          <p:grpSpPr>
-            <a:xfrm>
-              <a:off x="6227207" y="3311437"/>
-              <a:ext cx="2077364" cy="990118"/>
-              <a:chOff x="8765383" y="3244334"/>
-              <a:chExt cx="2077364" cy="990118"/>
-            </a:xfrm>
-          </p:grpSpPr>
-          <p:pic>
-            <p:nvPicPr>
-              <p:cNvPr id="5" name="Imagen 4">
-                <a:extLst>
-                  <a:ext uri="{FF2B5EF4-FFF2-40B4-BE49-F238E27FC236}">
-                    <a16:creationId xmlns:a16="http://schemas.microsoft.com/office/drawing/2014/main" id="{1D36A838-B475-47D8-8AC1-B2961F7E0448}"/>
-                  </a:ext>
-                </a:extLst>
-              </p:cNvPr>
-              <p:cNvPicPr>
-                <a:picLocks noChangeAspect="1"/>
-              </p:cNvPicPr>
-              <p:nvPr/>
-            </p:nvPicPr>
-            <p:blipFill rotWithShape="1">
-              <a:blip r:embed="rId2">
-                <a:extLst>
-                  <a:ext uri="{28A0092B-C50C-407E-A947-70E740481C1C}">
-                    <a14:useLocalDpi xmlns:a14="http://schemas.microsoft.com/office/drawing/2010/main" val="0"/>
-                  </a:ext>
-                </a:extLst>
-              </a:blip>
-              <a:srcRect l="26472" t="23744" r="68841" b="67199"/>
-              <a:stretch/>
-            </p:blipFill>
-            <p:spPr>
-              <a:xfrm>
-                <a:off x="9290817" y="3244334"/>
-                <a:ext cx="553674" cy="620786"/>
-              </a:xfrm>
-              <a:prstGeom prst="rect">
-                <a:avLst/>
-              </a:prstGeom>
-            </p:spPr>
-          </p:pic>
-          <p:sp>
-            <p:nvSpPr>
-              <p:cNvPr id="13" name="CuadroTexto 12">
-                <a:extLst>
-                  <a:ext uri="{FF2B5EF4-FFF2-40B4-BE49-F238E27FC236}">
-                    <a16:creationId xmlns:a16="http://schemas.microsoft.com/office/drawing/2014/main" id="{6E97FD12-E812-49C9-8CA9-44DBDC95FA98}"/>
-                  </a:ext>
-                </a:extLst>
-              </p:cNvPr>
-              <p:cNvSpPr txBox="1"/>
-              <p:nvPr/>
-            </p:nvSpPr>
-            <p:spPr>
-              <a:xfrm>
-                <a:off x="8765383" y="3865120"/>
-                <a:ext cx="2077364" cy="369332"/>
-              </a:xfrm>
-              <a:prstGeom prst="rect">
-                <a:avLst/>
-              </a:prstGeom>
-              <a:noFill/>
-            </p:spPr>
-            <p:txBody>
-              <a:bodyPr wrap="none" rtlCol="0">
-                <a:spAutoFit/>
-              </a:bodyPr>
-              <a:lstStyle/>
-              <a:p>
-                <a:r>
-                  <a:rPr lang="es-ES" dirty="0"/>
-                  <a:t>Tabla: Temperaturas</a:t>
-                </a:r>
-              </a:p>
-            </p:txBody>
-          </p:sp>
-        </p:grpSp>
-        <p:grpSp>
-          <p:nvGrpSpPr>
-            <p:cNvPr id="16" name="Grupo 15">
-              <a:extLst>
-                <a:ext uri="{FF2B5EF4-FFF2-40B4-BE49-F238E27FC236}">
-                  <a16:creationId xmlns:a16="http://schemas.microsoft.com/office/drawing/2014/main" id="{B966F1CE-5A86-46FD-8EAC-24D3781D5BFD}"/>
-                </a:ext>
-              </a:extLst>
-            </p:cNvPr>
-            <p:cNvGrpSpPr/>
-            <p:nvPr/>
-          </p:nvGrpSpPr>
-          <p:grpSpPr>
-            <a:xfrm>
-              <a:off x="2517832" y="2128480"/>
-              <a:ext cx="1604542" cy="990118"/>
-              <a:chOff x="2274970" y="3429000"/>
-              <a:chExt cx="1604542" cy="990118"/>
-            </a:xfrm>
-          </p:grpSpPr>
-          <p:pic>
-            <p:nvPicPr>
-              <p:cNvPr id="10" name="Imagen 9">
-                <a:extLst>
-                  <a:ext uri="{FF2B5EF4-FFF2-40B4-BE49-F238E27FC236}">
-                    <a16:creationId xmlns:a16="http://schemas.microsoft.com/office/drawing/2014/main" id="{39DED53F-62FB-4A4C-AD94-3F57A3AECA0B}"/>
-                  </a:ext>
-                </a:extLst>
-              </p:cNvPr>
-              <p:cNvPicPr>
-                <a:picLocks noChangeAspect="1"/>
-              </p:cNvPicPr>
-              <p:nvPr/>
-            </p:nvPicPr>
-            <p:blipFill rotWithShape="1">
-              <a:blip r:embed="rId2">
-                <a:extLst>
-                  <a:ext uri="{28A0092B-C50C-407E-A947-70E740481C1C}">
-                    <a14:useLocalDpi xmlns:a14="http://schemas.microsoft.com/office/drawing/2010/main" val="0"/>
-                  </a:ext>
-                </a:extLst>
-              </a:blip>
-              <a:srcRect l="26472" t="23744" r="68841" b="67199"/>
-              <a:stretch/>
-            </p:blipFill>
-            <p:spPr>
-              <a:xfrm>
-                <a:off x="3036815" y="3429000"/>
-                <a:ext cx="553674" cy="620786"/>
-              </a:xfrm>
-              <a:prstGeom prst="rect">
-                <a:avLst/>
-              </a:prstGeom>
-            </p:spPr>
-          </p:pic>
-          <p:sp>
-            <p:nvSpPr>
-              <p:cNvPr id="14" name="CuadroTexto 13">
-                <a:extLst>
-                  <a:ext uri="{FF2B5EF4-FFF2-40B4-BE49-F238E27FC236}">
-                    <a16:creationId xmlns:a16="http://schemas.microsoft.com/office/drawing/2014/main" id="{5CE287B3-8D19-48CA-BB41-BBC5CDDC2097}"/>
-                  </a:ext>
-                </a:extLst>
-              </p:cNvPr>
-              <p:cNvSpPr txBox="1"/>
-              <p:nvPr/>
-            </p:nvSpPr>
-            <p:spPr>
-              <a:xfrm>
-                <a:off x="2274970" y="4049786"/>
-                <a:ext cx="1604542" cy="369332"/>
-              </a:xfrm>
-              <a:prstGeom prst="rect">
-                <a:avLst/>
-              </a:prstGeom>
-              <a:noFill/>
-            </p:spPr>
-            <p:txBody>
-              <a:bodyPr wrap="none" rtlCol="0">
-                <a:spAutoFit/>
-              </a:bodyPr>
-              <a:lstStyle/>
-              <a:p>
-                <a:r>
-                  <a:rPr lang="es-ES" dirty="0"/>
-                  <a:t>Tabla: Usuarios</a:t>
+                  <a:rPr lang="es-ES" sz="1500" b="1" dirty="0"/>
+                  <a:t>web</a:t>
                 </a:r>
               </a:p>
             </p:txBody>
@@ -3838,141 +3453,16 @@
               </a:extLst>
             </p:cNvPr>
             <p:cNvCxnSpPr>
+              <a:cxnSpLocks/>
               <a:stCxn id="7" idx="1"/>
-              <a:endCxn id="8" idx="2"/>
+              <a:endCxn id="24" idx="2"/>
             </p:cNvCxnSpPr>
             <p:nvPr/>
           </p:nvCxnSpPr>
           <p:spPr>
             <a:xfrm flipH="1" flipV="1">
-              <a:off x="4424377" y="4433014"/>
-              <a:ext cx="973675" cy="868668"/>
-            </a:xfrm>
-            <a:prstGeom prst="straightConnector1">
-              <a:avLst/>
-            </a:prstGeom>
-            <a:ln>
-              <a:tailEnd type="triangle"/>
-            </a:ln>
-          </p:spPr>
-          <p:style>
-            <a:lnRef idx="1">
-              <a:schemeClr val="accent1"/>
-            </a:lnRef>
-            <a:fillRef idx="0">
-              <a:schemeClr val="accent1"/>
-            </a:fillRef>
-            <a:effectRef idx="0">
-              <a:schemeClr val="accent1"/>
-            </a:effectRef>
-            <a:fontRef idx="minor">
-              <a:schemeClr val="tx1"/>
-            </a:fontRef>
-          </p:style>
-        </p:cxnSp>
-        <p:cxnSp>
-          <p:nvCxnSpPr>
-            <p:cNvPr id="25" name="Conector recto de flecha 24">
-              <a:extLst>
-                <a:ext uri="{FF2B5EF4-FFF2-40B4-BE49-F238E27FC236}">
-                  <a16:creationId xmlns:a16="http://schemas.microsoft.com/office/drawing/2014/main" id="{44421759-3534-4F69-9499-D0ADE77B439D}"/>
-                </a:ext>
-              </a:extLst>
-            </p:cNvPr>
-            <p:cNvCxnSpPr>
-              <a:stCxn id="6" idx="1"/>
-              <a:endCxn id="14" idx="2"/>
-            </p:cNvCxnSpPr>
-            <p:nvPr/>
-          </p:nvCxnSpPr>
-          <p:spPr>
-            <a:xfrm flipH="1" flipV="1">
-              <a:off x="3320103" y="3118598"/>
-              <a:ext cx="802271" cy="601135"/>
-            </a:xfrm>
-            <a:prstGeom prst="straightConnector1">
-              <a:avLst/>
-            </a:prstGeom>
-            <a:ln>
-              <a:tailEnd type="triangle"/>
-            </a:ln>
-          </p:spPr>
-          <p:style>
-            <a:lnRef idx="1">
-              <a:schemeClr val="accent1"/>
-            </a:lnRef>
-            <a:fillRef idx="0">
-              <a:schemeClr val="accent1"/>
-            </a:fillRef>
-            <a:effectRef idx="0">
-              <a:schemeClr val="accent1"/>
-            </a:effectRef>
-            <a:fontRef idx="minor">
-              <a:schemeClr val="tx1"/>
-            </a:fontRef>
-          </p:style>
-        </p:cxnSp>
-        <p:cxnSp>
-          <p:nvCxnSpPr>
-            <p:cNvPr id="27" name="Conector recto de flecha 26">
-              <a:extLst>
-                <a:ext uri="{FF2B5EF4-FFF2-40B4-BE49-F238E27FC236}">
-                  <a16:creationId xmlns:a16="http://schemas.microsoft.com/office/drawing/2014/main" id="{96439813-64E6-42A1-8075-AB601232E25A}"/>
-                </a:ext>
-              </a:extLst>
-            </p:cNvPr>
-            <p:cNvCxnSpPr>
-              <a:stCxn id="10" idx="3"/>
-              <a:endCxn id="11" idx="1"/>
-            </p:cNvCxnSpPr>
-            <p:nvPr/>
-          </p:nvCxnSpPr>
-          <p:spPr>
-            <a:xfrm flipV="1">
-              <a:off x="3833351" y="2279590"/>
-              <a:ext cx="1960646" cy="159283"/>
-            </a:xfrm>
-            <a:prstGeom prst="straightConnector1">
-              <a:avLst/>
-            </a:prstGeom>
-            <a:ln>
-              <a:tailEnd type="triangle"/>
-            </a:ln>
-          </p:spPr>
-          <p:style>
-            <a:lnRef idx="1">
-              <a:schemeClr val="accent1"/>
-            </a:lnRef>
-            <a:fillRef idx="0">
-              <a:schemeClr val="accent1"/>
-            </a:fillRef>
-            <a:effectRef idx="0">
-              <a:schemeClr val="accent1"/>
-            </a:effectRef>
-            <a:fontRef idx="minor">
-              <a:schemeClr val="tx1"/>
-            </a:fontRef>
-          </p:style>
-        </p:cxnSp>
-        <p:cxnSp>
-          <p:nvCxnSpPr>
-            <p:cNvPr id="29" name="Conector recto de flecha 28">
-              <a:extLst>
-                <a:ext uri="{FF2B5EF4-FFF2-40B4-BE49-F238E27FC236}">
-                  <a16:creationId xmlns:a16="http://schemas.microsoft.com/office/drawing/2014/main" id="{B9DC7CB8-E0D9-47C2-B85A-E993831B72E8}"/>
-                </a:ext>
-              </a:extLst>
-            </p:cNvPr>
-            <p:cNvCxnSpPr>
-              <a:stCxn id="9" idx="2"/>
-              <a:endCxn id="5" idx="1"/>
-            </p:cNvCxnSpPr>
-            <p:nvPr/>
-          </p:nvCxnSpPr>
-          <p:spPr>
-            <a:xfrm>
-              <a:off x="6096000" y="2992871"/>
-              <a:ext cx="656641" cy="628959"/>
+              <a:off x="6293268" y="4995407"/>
+              <a:ext cx="714248" cy="320422"/>
             </a:xfrm>
             <a:prstGeom prst="straightConnector1">
               <a:avLst/>
@@ -4006,15 +3496,1494 @@
               </a:extLst>
             </p:cNvPr>
             <p:cNvCxnSpPr>
-              <a:stCxn id="13" idx="2"/>
+              <a:cxnSpLocks/>
+              <a:stCxn id="89" idx="2"/>
               <a:endCxn id="7" idx="3"/>
             </p:cNvCxnSpPr>
             <p:nvPr/>
           </p:nvCxnSpPr>
           <p:spPr>
             <a:xfrm flipH="1">
-              <a:off x="6220173" y="4301555"/>
-              <a:ext cx="1045716" cy="1000127"/>
+              <a:off x="7829637" y="4583310"/>
+              <a:ext cx="803284" cy="732519"/>
+            </a:xfrm>
+            <a:prstGeom prst="straightConnector1">
+              <a:avLst/>
+            </a:prstGeom>
+            <a:ln>
+              <a:tailEnd type="triangle"/>
+            </a:ln>
+          </p:spPr>
+          <p:style>
+            <a:lnRef idx="1">
+              <a:schemeClr val="accent1"/>
+            </a:lnRef>
+            <a:fillRef idx="0">
+              <a:schemeClr val="accent1"/>
+            </a:fillRef>
+            <a:effectRef idx="0">
+              <a:schemeClr val="accent1"/>
+            </a:effectRef>
+            <a:fontRef idx="minor">
+              <a:schemeClr val="tx1"/>
+            </a:fontRef>
+          </p:style>
+        </p:cxnSp>
+        <p:pic>
+          <p:nvPicPr>
+            <p:cNvPr id="24" name="Imagen 23" descr="Captura de pantalla de un celular&#10;&#10;Descripción generada automáticamente">
+              <a:extLst>
+                <a:ext uri="{FF2B5EF4-FFF2-40B4-BE49-F238E27FC236}">
+                  <a16:creationId xmlns:a16="http://schemas.microsoft.com/office/drawing/2014/main" id="{84EA401C-237B-4684-8E14-C47A9321F621}"/>
+                </a:ext>
+              </a:extLst>
+            </p:cNvPr>
+            <p:cNvPicPr>
+              <a:picLocks noChangeAspect="1"/>
+            </p:cNvPicPr>
+            <p:nvPr/>
+          </p:nvPicPr>
+          <p:blipFill rotWithShape="1">
+            <a:blip r:embed="rId3">
+              <a:extLst>
+                <a:ext uri="{28A0092B-C50C-407E-A947-70E740481C1C}">
+                  <a14:useLocalDpi xmlns:a14="http://schemas.microsoft.com/office/drawing/2010/main" val="0"/>
+                </a:ext>
+              </a:extLst>
+            </a:blip>
+            <a:srcRect l="75092" t="41860" r="12741" b="34677"/>
+            <a:stretch/>
+          </p:blipFill>
+          <p:spPr>
+            <a:xfrm>
+              <a:off x="5754993" y="3841035"/>
+              <a:ext cx="1076550" cy="1154372"/>
+            </a:xfrm>
+            <a:prstGeom prst="rect">
+              <a:avLst/>
+            </a:prstGeom>
+          </p:spPr>
+        </p:pic>
+        <p:grpSp>
+          <p:nvGrpSpPr>
+            <p:cNvPr id="30" name="Grupo 29">
+              <a:extLst>
+                <a:ext uri="{FF2B5EF4-FFF2-40B4-BE49-F238E27FC236}">
+                  <a16:creationId xmlns:a16="http://schemas.microsoft.com/office/drawing/2014/main" id="{C42EB34C-B17B-446B-B056-D601B2855EB1}"/>
+                </a:ext>
+              </a:extLst>
+            </p:cNvPr>
+            <p:cNvGrpSpPr/>
+            <p:nvPr/>
+          </p:nvGrpSpPr>
+          <p:grpSpPr>
+            <a:xfrm>
+              <a:off x="4937319" y="1460875"/>
+              <a:ext cx="1355949" cy="1018076"/>
+              <a:chOff x="4622854" y="604008"/>
+              <a:chExt cx="1355949" cy="1018076"/>
+            </a:xfrm>
+          </p:grpSpPr>
+          <p:pic>
+            <p:nvPicPr>
+              <p:cNvPr id="32" name="Imagen 31">
+                <a:extLst>
+                  <a:ext uri="{FF2B5EF4-FFF2-40B4-BE49-F238E27FC236}">
+                    <a16:creationId xmlns:a16="http://schemas.microsoft.com/office/drawing/2014/main" id="{0C6B515F-4AA6-4E82-98E2-09F8250305FA}"/>
+                  </a:ext>
+                </a:extLst>
+              </p:cNvPr>
+              <p:cNvPicPr>
+                <a:picLocks noChangeAspect="1"/>
+              </p:cNvPicPr>
+              <p:nvPr/>
+            </p:nvPicPr>
+            <p:blipFill rotWithShape="1">
+              <a:blip r:embed="rId2">
+                <a:extLst>
+                  <a:ext uri="{28A0092B-C50C-407E-A947-70E740481C1C}">
+                    <a14:useLocalDpi xmlns:a14="http://schemas.microsoft.com/office/drawing/2010/main" val="0"/>
+                  </a:ext>
+                </a:extLst>
+              </a:blip>
+              <a:srcRect l="40747" t="8813" r="54140" b="81151"/>
+              <a:stretch/>
+            </p:blipFill>
+            <p:spPr>
+              <a:xfrm>
+                <a:off x="4999839" y="604008"/>
+                <a:ext cx="604007" cy="687898"/>
+              </a:xfrm>
+              <a:prstGeom prst="rect">
+                <a:avLst/>
+              </a:prstGeom>
+            </p:spPr>
+          </p:pic>
+          <p:sp>
+            <p:nvSpPr>
+              <p:cNvPr id="33" name="CuadroTexto 32">
+                <a:extLst>
+                  <a:ext uri="{FF2B5EF4-FFF2-40B4-BE49-F238E27FC236}">
+                    <a16:creationId xmlns:a16="http://schemas.microsoft.com/office/drawing/2014/main" id="{957F32D8-7CDC-4896-AE71-52BA4937F996}"/>
+                  </a:ext>
+                </a:extLst>
+              </p:cNvPr>
+              <p:cNvSpPr txBox="1"/>
+              <p:nvPr/>
+            </p:nvSpPr>
+            <p:spPr>
+              <a:xfrm>
+                <a:off x="4622854" y="1298919"/>
+                <a:ext cx="1355949" cy="323165"/>
+              </a:xfrm>
+              <a:prstGeom prst="rect">
+                <a:avLst/>
+              </a:prstGeom>
+              <a:noFill/>
+            </p:spPr>
+            <p:txBody>
+              <a:bodyPr wrap="none" rtlCol="0">
+                <a:spAutoFit/>
+              </a:bodyPr>
+              <a:lstStyle/>
+              <a:p>
+                <a:pPr algn="ctr"/>
+                <a:r>
+                  <a:rPr lang="es-ES" sz="1500" b="1" dirty="0" err="1"/>
+                  <a:t>topic_to_bbdd</a:t>
+                </a:r>
+                <a:endParaRPr lang="es-ES" sz="1500" b="1" dirty="0"/>
+              </a:p>
+            </p:txBody>
+          </p:sp>
+        </p:grpSp>
+        <p:cxnSp>
+          <p:nvCxnSpPr>
+            <p:cNvPr id="35" name="Conector recto de flecha 34">
+              <a:extLst>
+                <a:ext uri="{FF2B5EF4-FFF2-40B4-BE49-F238E27FC236}">
+                  <a16:creationId xmlns:a16="http://schemas.microsoft.com/office/drawing/2014/main" id="{E9F8835F-D50C-40A2-91D3-F957F8849B92}"/>
+                </a:ext>
+              </a:extLst>
+            </p:cNvPr>
+            <p:cNvCxnSpPr>
+              <a:cxnSpLocks/>
+              <a:stCxn id="28" idx="3"/>
+              <a:endCxn id="36" idx="1"/>
+            </p:cNvCxnSpPr>
+            <p:nvPr/>
+          </p:nvCxnSpPr>
+          <p:spPr>
+            <a:xfrm flipV="1">
+              <a:off x="5106506" y="2972080"/>
+              <a:ext cx="200737" cy="61819"/>
+            </a:xfrm>
+            <a:prstGeom prst="straightConnector1">
+              <a:avLst/>
+            </a:prstGeom>
+            <a:ln>
+              <a:tailEnd type="triangle"/>
+            </a:ln>
+          </p:spPr>
+          <p:style>
+            <a:lnRef idx="1">
+              <a:schemeClr val="accent1"/>
+            </a:lnRef>
+            <a:fillRef idx="0">
+              <a:schemeClr val="accent1"/>
+            </a:fillRef>
+            <a:effectRef idx="0">
+              <a:schemeClr val="accent1"/>
+            </a:effectRef>
+            <a:fontRef idx="minor">
+              <a:schemeClr val="tx1"/>
+            </a:fontRef>
+          </p:style>
+        </p:cxnSp>
+        <p:grpSp>
+          <p:nvGrpSpPr>
+            <p:cNvPr id="38" name="Grupo 37">
+              <a:extLst>
+                <a:ext uri="{FF2B5EF4-FFF2-40B4-BE49-F238E27FC236}">
+                  <a16:creationId xmlns:a16="http://schemas.microsoft.com/office/drawing/2014/main" id="{3FA13660-1290-438A-BD85-7159E9FF9E37}"/>
+                </a:ext>
+              </a:extLst>
+            </p:cNvPr>
+            <p:cNvGrpSpPr/>
+            <p:nvPr/>
+          </p:nvGrpSpPr>
+          <p:grpSpPr>
+            <a:xfrm>
+              <a:off x="5307243" y="2657137"/>
+              <a:ext cx="662692" cy="953051"/>
+              <a:chOff x="2055167" y="2933229"/>
+              <a:chExt cx="662692" cy="953051"/>
+            </a:xfrm>
+          </p:grpSpPr>
+          <p:pic>
+            <p:nvPicPr>
+              <p:cNvPr id="36" name="Imagen 35" descr="Captura de pantalla de un celular&#10;&#10;Descripción generada automáticamente">
+                <a:extLst>
+                  <a:ext uri="{FF2B5EF4-FFF2-40B4-BE49-F238E27FC236}">
+                    <a16:creationId xmlns:a16="http://schemas.microsoft.com/office/drawing/2014/main" id="{152FD457-ECC0-44B6-87B8-7D37BA6E290E}"/>
+                  </a:ext>
+                </a:extLst>
+              </p:cNvPr>
+              <p:cNvPicPr>
+                <a:picLocks noChangeAspect="1"/>
+              </p:cNvPicPr>
+              <p:nvPr/>
+            </p:nvPicPr>
+            <p:blipFill rotWithShape="1">
+              <a:blip r:embed="rId4">
+                <a:extLst>
+                  <a:ext uri="{28A0092B-C50C-407E-A947-70E740481C1C}">
+                    <a14:useLocalDpi xmlns:a14="http://schemas.microsoft.com/office/drawing/2010/main" val="0"/>
+                  </a:ext>
+                </a:extLst>
+              </a:blip>
+              <a:srcRect l="51454" t="75042" r="38992" b="7037"/>
+              <a:stretch/>
+            </p:blipFill>
+            <p:spPr>
+              <a:xfrm>
+                <a:off x="2055167" y="2933229"/>
+                <a:ext cx="662692" cy="629886"/>
+              </a:xfrm>
+              <a:prstGeom prst="rect">
+                <a:avLst/>
+              </a:prstGeom>
+            </p:spPr>
+          </p:pic>
+          <p:sp>
+            <p:nvSpPr>
+              <p:cNvPr id="37" name="CuadroTexto 36">
+                <a:extLst>
+                  <a:ext uri="{FF2B5EF4-FFF2-40B4-BE49-F238E27FC236}">
+                    <a16:creationId xmlns:a16="http://schemas.microsoft.com/office/drawing/2014/main" id="{214DD4CD-B3B3-4306-8123-76E0A07799D0}"/>
+                  </a:ext>
+                </a:extLst>
+              </p:cNvPr>
+              <p:cNvSpPr txBox="1"/>
+              <p:nvPr/>
+            </p:nvSpPr>
+            <p:spPr>
+              <a:xfrm>
+                <a:off x="2120254" y="3563115"/>
+                <a:ext cx="532518" cy="323165"/>
+              </a:xfrm>
+              <a:prstGeom prst="rect">
+                <a:avLst/>
+              </a:prstGeom>
+              <a:noFill/>
+            </p:spPr>
+            <p:txBody>
+              <a:bodyPr wrap="none" rtlCol="0">
+                <a:spAutoFit/>
+              </a:bodyPr>
+              <a:lstStyle/>
+              <a:p>
+                <a:pPr algn="ctr"/>
+                <a:r>
+                  <a:rPr lang="es-ES" sz="1500" b="1" dirty="0"/>
+                  <a:t>Cola</a:t>
+                </a:r>
+              </a:p>
+            </p:txBody>
+          </p:sp>
+        </p:grpSp>
+        <p:grpSp>
+          <p:nvGrpSpPr>
+            <p:cNvPr id="40" name="Grupo 39">
+              <a:extLst>
+                <a:ext uri="{FF2B5EF4-FFF2-40B4-BE49-F238E27FC236}">
+                  <a16:creationId xmlns:a16="http://schemas.microsoft.com/office/drawing/2014/main" id="{BD192DD8-7117-46B7-B29E-1C4A5B01BFBB}"/>
+                </a:ext>
+              </a:extLst>
+            </p:cNvPr>
+            <p:cNvGrpSpPr/>
+            <p:nvPr/>
+          </p:nvGrpSpPr>
+          <p:grpSpPr>
+            <a:xfrm>
+              <a:off x="4159532" y="2546289"/>
+              <a:ext cx="946974" cy="1296287"/>
+              <a:chOff x="1108193" y="4815120"/>
+              <a:chExt cx="946974" cy="1296287"/>
+            </a:xfrm>
+          </p:grpSpPr>
+          <p:pic>
+            <p:nvPicPr>
+              <p:cNvPr id="28" name="Imagen 27" descr="Imagen que contiene cuarto, señal, reloj&#10;&#10;Descripción generada automáticamente">
+                <a:extLst>
+                  <a:ext uri="{FF2B5EF4-FFF2-40B4-BE49-F238E27FC236}">
+                    <a16:creationId xmlns:a16="http://schemas.microsoft.com/office/drawing/2014/main" id="{960134B7-92D0-4416-AC7F-2E73EB71FEDD}"/>
+                  </a:ext>
+                </a:extLst>
+              </p:cNvPr>
+              <p:cNvPicPr>
+                <a:picLocks noChangeAspect="1"/>
+              </p:cNvPicPr>
+              <p:nvPr/>
+            </p:nvPicPr>
+            <p:blipFill rotWithShape="1">
+              <a:blip r:embed="rId5">
+                <a:extLst>
+                  <a:ext uri="{28A0092B-C50C-407E-A947-70E740481C1C}">
+                    <a14:useLocalDpi xmlns:a14="http://schemas.microsoft.com/office/drawing/2010/main" val="0"/>
+                  </a:ext>
+                </a:extLst>
+              </a:blip>
+              <a:srcRect l="-396" t="65064" r="80324" b="1595"/>
+              <a:stretch/>
+            </p:blipFill>
+            <p:spPr>
+              <a:xfrm>
+                <a:off x="1108193" y="4815120"/>
+                <a:ext cx="946974" cy="975220"/>
+              </a:xfrm>
+              <a:prstGeom prst="rect">
+                <a:avLst/>
+              </a:prstGeom>
+            </p:spPr>
+          </p:pic>
+          <p:sp>
+            <p:nvSpPr>
+              <p:cNvPr id="39" name="CuadroTexto 38">
+                <a:extLst>
+                  <a:ext uri="{FF2B5EF4-FFF2-40B4-BE49-F238E27FC236}">
+                    <a16:creationId xmlns:a16="http://schemas.microsoft.com/office/drawing/2014/main" id="{81D82ADD-C4A5-40AC-8539-66F570DD4E3A}"/>
+                  </a:ext>
+                </a:extLst>
+              </p:cNvPr>
+              <p:cNvSpPr txBox="1"/>
+              <p:nvPr/>
+            </p:nvSpPr>
+            <p:spPr>
+              <a:xfrm>
+                <a:off x="1225369" y="5788242"/>
+                <a:ext cx="724878" cy="323165"/>
+              </a:xfrm>
+              <a:prstGeom prst="rect">
+                <a:avLst/>
+              </a:prstGeom>
+              <a:noFill/>
+            </p:spPr>
+            <p:txBody>
+              <a:bodyPr wrap="none" rtlCol="0">
+                <a:spAutoFit/>
+              </a:bodyPr>
+              <a:lstStyle/>
+              <a:p>
+                <a:pPr algn="ctr"/>
+                <a:r>
+                  <a:rPr lang="es-ES" sz="1500" b="1" dirty="0"/>
+                  <a:t>Sensor</a:t>
+                </a:r>
+              </a:p>
+            </p:txBody>
+          </p:sp>
+        </p:grpSp>
+        <p:cxnSp>
+          <p:nvCxnSpPr>
+            <p:cNvPr id="45" name="Conector recto de flecha 44">
+              <a:extLst>
+                <a:ext uri="{FF2B5EF4-FFF2-40B4-BE49-F238E27FC236}">
+                  <a16:creationId xmlns:a16="http://schemas.microsoft.com/office/drawing/2014/main" id="{BD0EE0E4-2F40-437B-A10D-60C1F142B8D9}"/>
+                </a:ext>
+              </a:extLst>
+            </p:cNvPr>
+            <p:cNvCxnSpPr>
+              <a:cxnSpLocks/>
+              <a:stCxn id="36" idx="0"/>
+              <a:endCxn id="33" idx="2"/>
+            </p:cNvCxnSpPr>
+            <p:nvPr/>
+          </p:nvCxnSpPr>
+          <p:spPr>
+            <a:xfrm flipH="1" flipV="1">
+              <a:off x="5615294" y="2478951"/>
+              <a:ext cx="23295" cy="178186"/>
+            </a:xfrm>
+            <a:prstGeom prst="straightConnector1">
+              <a:avLst/>
+            </a:prstGeom>
+            <a:ln>
+              <a:tailEnd type="triangle"/>
+            </a:ln>
+          </p:spPr>
+          <p:style>
+            <a:lnRef idx="1">
+              <a:schemeClr val="accent1"/>
+            </a:lnRef>
+            <a:fillRef idx="0">
+              <a:schemeClr val="accent1"/>
+            </a:fillRef>
+            <a:effectRef idx="0">
+              <a:schemeClr val="accent1"/>
+            </a:effectRef>
+            <a:fontRef idx="minor">
+              <a:schemeClr val="tx1"/>
+            </a:fontRef>
+          </p:style>
+        </p:cxnSp>
+        <p:grpSp>
+          <p:nvGrpSpPr>
+            <p:cNvPr id="48" name="Grupo 47">
+              <a:extLst>
+                <a:ext uri="{FF2B5EF4-FFF2-40B4-BE49-F238E27FC236}">
+                  <a16:creationId xmlns:a16="http://schemas.microsoft.com/office/drawing/2014/main" id="{D6307791-1EF7-40F2-9149-A2EE995480C0}"/>
+                </a:ext>
+              </a:extLst>
+            </p:cNvPr>
+            <p:cNvGrpSpPr/>
+            <p:nvPr/>
+          </p:nvGrpSpPr>
+          <p:grpSpPr>
+            <a:xfrm>
+              <a:off x="6105859" y="1321199"/>
+              <a:ext cx="901657" cy="943951"/>
+              <a:chOff x="2862824" y="3429000"/>
+              <a:chExt cx="901657" cy="943951"/>
+            </a:xfrm>
+          </p:grpSpPr>
+          <p:pic>
+            <p:nvPicPr>
+              <p:cNvPr id="49" name="Imagen 48">
+                <a:extLst>
+                  <a:ext uri="{FF2B5EF4-FFF2-40B4-BE49-F238E27FC236}">
+                    <a16:creationId xmlns:a16="http://schemas.microsoft.com/office/drawing/2014/main" id="{B2829A01-2084-4F54-B672-15817AE59168}"/>
+                  </a:ext>
+                </a:extLst>
+              </p:cNvPr>
+              <p:cNvPicPr>
+                <a:picLocks noChangeAspect="1"/>
+              </p:cNvPicPr>
+              <p:nvPr/>
+            </p:nvPicPr>
+            <p:blipFill rotWithShape="1">
+              <a:blip r:embed="rId2">
+                <a:extLst>
+                  <a:ext uri="{28A0092B-C50C-407E-A947-70E740481C1C}">
+                    <a14:useLocalDpi xmlns:a14="http://schemas.microsoft.com/office/drawing/2010/main" val="0"/>
+                  </a:ext>
+                </a:extLst>
+              </a:blip>
+              <a:srcRect l="26472" t="23744" r="68841" b="67199"/>
+              <a:stretch/>
+            </p:blipFill>
+            <p:spPr>
+              <a:xfrm>
+                <a:off x="3036815" y="3429000"/>
+                <a:ext cx="553674" cy="620786"/>
+              </a:xfrm>
+              <a:prstGeom prst="rect">
+                <a:avLst/>
+              </a:prstGeom>
+            </p:spPr>
+          </p:pic>
+          <p:sp>
+            <p:nvSpPr>
+              <p:cNvPr id="50" name="CuadroTexto 49">
+                <a:extLst>
+                  <a:ext uri="{FF2B5EF4-FFF2-40B4-BE49-F238E27FC236}">
+                    <a16:creationId xmlns:a16="http://schemas.microsoft.com/office/drawing/2014/main" id="{8FC1D638-7712-46EF-BF1A-CB4B8F392BDD}"/>
+                  </a:ext>
+                </a:extLst>
+              </p:cNvPr>
+              <p:cNvSpPr txBox="1"/>
+              <p:nvPr/>
+            </p:nvSpPr>
+            <p:spPr>
+              <a:xfrm>
+                <a:off x="2862824" y="4049786"/>
+                <a:ext cx="901657" cy="323165"/>
+              </a:xfrm>
+              <a:prstGeom prst="rect">
+                <a:avLst/>
+              </a:prstGeom>
+              <a:noFill/>
+            </p:spPr>
+            <p:txBody>
+              <a:bodyPr wrap="none" rtlCol="0">
+                <a:spAutoFit/>
+              </a:bodyPr>
+              <a:lstStyle/>
+              <a:p>
+                <a:pPr algn="ctr"/>
+                <a:r>
+                  <a:rPr lang="es-ES" sz="1500" b="1" dirty="0" err="1"/>
+                  <a:t>lastTemp</a:t>
+                </a:r>
+                <a:endParaRPr lang="es-ES" sz="1500" b="1" dirty="0"/>
+              </a:p>
+            </p:txBody>
+          </p:sp>
+        </p:grpSp>
+        <p:cxnSp>
+          <p:nvCxnSpPr>
+            <p:cNvPr id="51" name="Conector recto de flecha 50">
+              <a:extLst>
+                <a:ext uri="{FF2B5EF4-FFF2-40B4-BE49-F238E27FC236}">
+                  <a16:creationId xmlns:a16="http://schemas.microsoft.com/office/drawing/2014/main" id="{5A910D58-46BB-4CEE-87F7-13880D996707}"/>
+                </a:ext>
+              </a:extLst>
+            </p:cNvPr>
+            <p:cNvCxnSpPr>
+              <a:cxnSpLocks/>
+              <a:stCxn id="32" idx="3"/>
+              <a:endCxn id="49" idx="1"/>
+            </p:cNvCxnSpPr>
+            <p:nvPr/>
+          </p:nvCxnSpPr>
+          <p:spPr>
+            <a:xfrm flipV="1">
+              <a:off x="5918311" y="1631592"/>
+              <a:ext cx="361539" cy="173232"/>
+            </a:xfrm>
+            <a:prstGeom prst="straightConnector1">
+              <a:avLst/>
+            </a:prstGeom>
+            <a:ln>
+              <a:tailEnd type="triangle"/>
+            </a:ln>
+          </p:spPr>
+          <p:style>
+            <a:lnRef idx="1">
+              <a:schemeClr val="accent1"/>
+            </a:lnRef>
+            <a:fillRef idx="0">
+              <a:schemeClr val="accent1"/>
+            </a:fillRef>
+            <a:effectRef idx="0">
+              <a:schemeClr val="accent1"/>
+            </a:effectRef>
+            <a:fontRef idx="minor">
+              <a:schemeClr val="tx1"/>
+            </a:fontRef>
+          </p:style>
+        </p:cxnSp>
+        <p:cxnSp>
+          <p:nvCxnSpPr>
+            <p:cNvPr id="57" name="Conector recto de flecha 56">
+              <a:extLst>
+                <a:ext uri="{FF2B5EF4-FFF2-40B4-BE49-F238E27FC236}">
+                  <a16:creationId xmlns:a16="http://schemas.microsoft.com/office/drawing/2014/main" id="{6855DBF1-1A47-4DD6-BF9E-D170D3A96FA9}"/>
+                </a:ext>
+              </a:extLst>
+            </p:cNvPr>
+            <p:cNvCxnSpPr>
+              <a:cxnSpLocks/>
+              <a:stCxn id="24" idx="0"/>
+              <a:endCxn id="62" idx="2"/>
+            </p:cNvCxnSpPr>
+            <p:nvPr/>
+          </p:nvCxnSpPr>
+          <p:spPr>
+            <a:xfrm flipV="1">
+              <a:off x="6293268" y="3505994"/>
+              <a:ext cx="259074" cy="335041"/>
+            </a:xfrm>
+            <a:prstGeom prst="straightConnector1">
+              <a:avLst/>
+            </a:prstGeom>
+            <a:ln>
+              <a:tailEnd type="triangle"/>
+            </a:ln>
+          </p:spPr>
+          <p:style>
+            <a:lnRef idx="1">
+              <a:schemeClr val="accent1"/>
+            </a:lnRef>
+            <a:fillRef idx="0">
+              <a:schemeClr val="accent1"/>
+            </a:fillRef>
+            <a:effectRef idx="0">
+              <a:schemeClr val="accent1"/>
+            </a:effectRef>
+            <a:fontRef idx="minor">
+              <a:schemeClr val="tx1"/>
+            </a:fontRef>
+          </p:style>
+        </p:cxnSp>
+        <p:grpSp>
+          <p:nvGrpSpPr>
+            <p:cNvPr id="60" name="Grupo 59">
+              <a:extLst>
+                <a:ext uri="{FF2B5EF4-FFF2-40B4-BE49-F238E27FC236}">
+                  <a16:creationId xmlns:a16="http://schemas.microsoft.com/office/drawing/2014/main" id="{1FF5AE43-8EF7-4EC1-9264-7471AC95F934}"/>
+                </a:ext>
+              </a:extLst>
+            </p:cNvPr>
+            <p:cNvGrpSpPr/>
+            <p:nvPr/>
+          </p:nvGrpSpPr>
+          <p:grpSpPr>
+            <a:xfrm>
+              <a:off x="6105585" y="2487918"/>
+              <a:ext cx="893514" cy="1018076"/>
+              <a:chOff x="4854071" y="604008"/>
+              <a:chExt cx="893514" cy="1018076"/>
+            </a:xfrm>
+          </p:grpSpPr>
+          <p:pic>
+            <p:nvPicPr>
+              <p:cNvPr id="61" name="Imagen 60">
+                <a:extLst>
+                  <a:ext uri="{FF2B5EF4-FFF2-40B4-BE49-F238E27FC236}">
+                    <a16:creationId xmlns:a16="http://schemas.microsoft.com/office/drawing/2014/main" id="{A2C62294-07B2-4337-B386-2B075D22B6AA}"/>
+                  </a:ext>
+                </a:extLst>
+              </p:cNvPr>
+              <p:cNvPicPr>
+                <a:picLocks noChangeAspect="1"/>
+              </p:cNvPicPr>
+              <p:nvPr/>
+            </p:nvPicPr>
+            <p:blipFill rotWithShape="1">
+              <a:blip r:embed="rId2">
+                <a:extLst>
+                  <a:ext uri="{28A0092B-C50C-407E-A947-70E740481C1C}">
+                    <a14:useLocalDpi xmlns:a14="http://schemas.microsoft.com/office/drawing/2010/main" val="0"/>
+                  </a:ext>
+                </a:extLst>
+              </a:blip>
+              <a:srcRect l="40747" t="8813" r="54140" b="81151"/>
+              <a:stretch/>
+            </p:blipFill>
+            <p:spPr>
+              <a:xfrm>
+                <a:off x="4999839" y="604008"/>
+                <a:ext cx="604007" cy="687898"/>
+              </a:xfrm>
+              <a:prstGeom prst="rect">
+                <a:avLst/>
+              </a:prstGeom>
+            </p:spPr>
+          </p:pic>
+          <p:sp>
+            <p:nvSpPr>
+              <p:cNvPr id="62" name="CuadroTexto 61">
+                <a:extLst>
+                  <a:ext uri="{FF2B5EF4-FFF2-40B4-BE49-F238E27FC236}">
+                    <a16:creationId xmlns:a16="http://schemas.microsoft.com/office/drawing/2014/main" id="{E63457D5-CAC1-41D9-A186-56AEE0852E3C}"/>
+                  </a:ext>
+                </a:extLst>
+              </p:cNvPr>
+              <p:cNvSpPr txBox="1"/>
+              <p:nvPr/>
+            </p:nvSpPr>
+            <p:spPr>
+              <a:xfrm>
+                <a:off x="4854071" y="1298919"/>
+                <a:ext cx="893514" cy="323165"/>
+              </a:xfrm>
+              <a:prstGeom prst="rect">
+                <a:avLst/>
+              </a:prstGeom>
+              <a:noFill/>
+            </p:spPr>
+            <p:txBody>
+              <a:bodyPr wrap="none" rtlCol="0">
+                <a:spAutoFit/>
+              </a:bodyPr>
+              <a:lstStyle/>
+              <a:p>
+                <a:pPr algn="ctr"/>
+                <a:r>
+                  <a:rPr lang="es-ES" sz="1500" b="1" dirty="0" err="1"/>
+                  <a:t>saveLogs</a:t>
+                </a:r>
+                <a:endParaRPr lang="es-ES" sz="1500" b="1" dirty="0"/>
+              </a:p>
+            </p:txBody>
+          </p:sp>
+        </p:grpSp>
+        <p:cxnSp>
+          <p:nvCxnSpPr>
+            <p:cNvPr id="64" name="Conector recto de flecha 63">
+              <a:extLst>
+                <a:ext uri="{FF2B5EF4-FFF2-40B4-BE49-F238E27FC236}">
+                  <a16:creationId xmlns:a16="http://schemas.microsoft.com/office/drawing/2014/main" id="{5C8E2524-28A8-4B8B-8D99-2268A4AAA9FC}"/>
+                </a:ext>
+              </a:extLst>
+            </p:cNvPr>
+            <p:cNvCxnSpPr>
+              <a:cxnSpLocks/>
+              <a:stCxn id="50" idx="2"/>
+              <a:endCxn id="61" idx="0"/>
+            </p:cNvCxnSpPr>
+            <p:nvPr/>
+          </p:nvCxnSpPr>
+          <p:spPr>
+            <a:xfrm flipH="1">
+              <a:off x="6553357" y="2265150"/>
+              <a:ext cx="3331" cy="222768"/>
+            </a:xfrm>
+            <a:prstGeom prst="straightConnector1">
+              <a:avLst/>
+            </a:prstGeom>
+            <a:ln>
+              <a:tailEnd type="triangle"/>
+            </a:ln>
+          </p:spPr>
+          <p:style>
+            <a:lnRef idx="1">
+              <a:schemeClr val="accent1"/>
+            </a:lnRef>
+            <a:fillRef idx="0">
+              <a:schemeClr val="accent1"/>
+            </a:fillRef>
+            <a:effectRef idx="0">
+              <a:schemeClr val="accent1"/>
+            </a:effectRef>
+            <a:fontRef idx="minor">
+              <a:schemeClr val="tx1"/>
+            </a:fontRef>
+          </p:style>
+        </p:cxnSp>
+        <p:grpSp>
+          <p:nvGrpSpPr>
+            <p:cNvPr id="67" name="Grupo 66">
+              <a:extLst>
+                <a:ext uri="{FF2B5EF4-FFF2-40B4-BE49-F238E27FC236}">
+                  <a16:creationId xmlns:a16="http://schemas.microsoft.com/office/drawing/2014/main" id="{BACB7850-2358-4319-BD74-AF9C7DEF30EA}"/>
+                </a:ext>
+              </a:extLst>
+            </p:cNvPr>
+            <p:cNvGrpSpPr/>
+            <p:nvPr/>
+          </p:nvGrpSpPr>
+          <p:grpSpPr>
+            <a:xfrm>
+              <a:off x="4027165" y="1346966"/>
+              <a:ext cx="1265283" cy="943951"/>
+              <a:chOff x="2681009" y="3429000"/>
+              <a:chExt cx="1265283" cy="943951"/>
+            </a:xfrm>
+          </p:grpSpPr>
+          <p:pic>
+            <p:nvPicPr>
+              <p:cNvPr id="68" name="Imagen 67">
+                <a:extLst>
+                  <a:ext uri="{FF2B5EF4-FFF2-40B4-BE49-F238E27FC236}">
+                    <a16:creationId xmlns:a16="http://schemas.microsoft.com/office/drawing/2014/main" id="{60E6087D-0B11-4989-9FA8-B5D22063B811}"/>
+                  </a:ext>
+                </a:extLst>
+              </p:cNvPr>
+              <p:cNvPicPr>
+                <a:picLocks noChangeAspect="1"/>
+              </p:cNvPicPr>
+              <p:nvPr/>
+            </p:nvPicPr>
+            <p:blipFill rotWithShape="1">
+              <a:blip r:embed="rId2">
+                <a:extLst>
+                  <a:ext uri="{28A0092B-C50C-407E-A947-70E740481C1C}">
+                    <a14:useLocalDpi xmlns:a14="http://schemas.microsoft.com/office/drawing/2010/main" val="0"/>
+                  </a:ext>
+                </a:extLst>
+              </a:blip>
+              <a:srcRect l="26472" t="23744" r="68841" b="67199"/>
+              <a:stretch/>
+            </p:blipFill>
+            <p:spPr>
+              <a:xfrm>
+                <a:off x="3036815" y="3429000"/>
+                <a:ext cx="553674" cy="620786"/>
+              </a:xfrm>
+              <a:prstGeom prst="rect">
+                <a:avLst/>
+              </a:prstGeom>
+            </p:spPr>
+          </p:pic>
+          <p:sp>
+            <p:nvSpPr>
+              <p:cNvPr id="69" name="CuadroTexto 68">
+                <a:extLst>
+                  <a:ext uri="{FF2B5EF4-FFF2-40B4-BE49-F238E27FC236}">
+                    <a16:creationId xmlns:a16="http://schemas.microsoft.com/office/drawing/2014/main" id="{91945FF9-1E85-4405-95B5-DD77ED80DFB2}"/>
+                  </a:ext>
+                </a:extLst>
+              </p:cNvPr>
+              <p:cNvSpPr txBox="1"/>
+              <p:nvPr/>
+            </p:nvSpPr>
+            <p:spPr>
+              <a:xfrm>
+                <a:off x="2681009" y="4049786"/>
+                <a:ext cx="1265283" cy="323165"/>
+              </a:xfrm>
+              <a:prstGeom prst="rect">
+                <a:avLst/>
+              </a:prstGeom>
+              <a:noFill/>
+            </p:spPr>
+            <p:txBody>
+              <a:bodyPr wrap="none" rtlCol="0">
+                <a:spAutoFit/>
+              </a:bodyPr>
+              <a:lstStyle/>
+              <a:p>
+                <a:pPr algn="ctr"/>
+                <a:r>
+                  <a:rPr lang="es-ES" sz="1500" b="1" dirty="0"/>
+                  <a:t>temperaturas</a:t>
+                </a:r>
+              </a:p>
+            </p:txBody>
+          </p:sp>
+        </p:grpSp>
+        <p:cxnSp>
+          <p:nvCxnSpPr>
+            <p:cNvPr id="70" name="Conector recto de flecha 69">
+              <a:extLst>
+                <a:ext uri="{FF2B5EF4-FFF2-40B4-BE49-F238E27FC236}">
+                  <a16:creationId xmlns:a16="http://schemas.microsoft.com/office/drawing/2014/main" id="{C11D44DF-A5E2-45E1-88B9-AAE0BD52EE46}"/>
+                </a:ext>
+              </a:extLst>
+            </p:cNvPr>
+            <p:cNvCxnSpPr>
+              <a:cxnSpLocks/>
+              <a:stCxn id="32" idx="1"/>
+              <a:endCxn id="68" idx="3"/>
+            </p:cNvCxnSpPr>
+            <p:nvPr/>
+          </p:nvCxnSpPr>
+          <p:spPr>
+            <a:xfrm flipH="1" flipV="1">
+              <a:off x="4936645" y="1657359"/>
+              <a:ext cx="377659" cy="147465"/>
+            </a:xfrm>
+            <a:prstGeom prst="straightConnector1">
+              <a:avLst/>
+            </a:prstGeom>
+            <a:ln>
+              <a:tailEnd type="triangle"/>
+            </a:ln>
+          </p:spPr>
+          <p:style>
+            <a:lnRef idx="1">
+              <a:schemeClr val="accent1"/>
+            </a:lnRef>
+            <a:fillRef idx="0">
+              <a:schemeClr val="accent1"/>
+            </a:fillRef>
+            <a:effectRef idx="0">
+              <a:schemeClr val="accent1"/>
+            </a:effectRef>
+            <a:fontRef idx="minor">
+              <a:schemeClr val="tx1"/>
+            </a:fontRef>
+          </p:style>
+        </p:cxnSp>
+        <p:cxnSp>
+          <p:nvCxnSpPr>
+            <p:cNvPr id="73" name="Conector recto de flecha 72">
+              <a:extLst>
+                <a:ext uri="{FF2B5EF4-FFF2-40B4-BE49-F238E27FC236}">
+                  <a16:creationId xmlns:a16="http://schemas.microsoft.com/office/drawing/2014/main" id="{2DEE3A16-4AAA-42C6-ADF9-2DBD60E3A8C6}"/>
+                </a:ext>
+              </a:extLst>
+            </p:cNvPr>
+            <p:cNvCxnSpPr>
+              <a:cxnSpLocks/>
+              <a:stCxn id="61" idx="3"/>
+              <a:endCxn id="75" idx="1"/>
+            </p:cNvCxnSpPr>
+            <p:nvPr/>
+          </p:nvCxnSpPr>
+          <p:spPr>
+            <a:xfrm flipV="1">
+              <a:off x="6855360" y="2798311"/>
+              <a:ext cx="416986" cy="33556"/>
+            </a:xfrm>
+            <a:prstGeom prst="straightConnector1">
+              <a:avLst/>
+            </a:prstGeom>
+            <a:ln>
+              <a:tailEnd type="triangle"/>
+            </a:ln>
+          </p:spPr>
+          <p:style>
+            <a:lnRef idx="1">
+              <a:schemeClr val="accent1"/>
+            </a:lnRef>
+            <a:fillRef idx="0">
+              <a:schemeClr val="accent1"/>
+            </a:fillRef>
+            <a:effectRef idx="0">
+              <a:schemeClr val="accent1"/>
+            </a:effectRef>
+            <a:fontRef idx="minor">
+              <a:schemeClr val="tx1"/>
+            </a:fontRef>
+          </p:style>
+        </p:cxnSp>
+        <p:grpSp>
+          <p:nvGrpSpPr>
+            <p:cNvPr id="74" name="Grupo 73">
+              <a:extLst>
+                <a:ext uri="{FF2B5EF4-FFF2-40B4-BE49-F238E27FC236}">
+                  <a16:creationId xmlns:a16="http://schemas.microsoft.com/office/drawing/2014/main" id="{D98648BE-30E9-4157-BD18-DD5D46D360B8}"/>
+                </a:ext>
+              </a:extLst>
+            </p:cNvPr>
+            <p:cNvGrpSpPr/>
+            <p:nvPr/>
+          </p:nvGrpSpPr>
+          <p:grpSpPr>
+            <a:xfrm>
+              <a:off x="6982973" y="2487918"/>
+              <a:ext cx="1132426" cy="943951"/>
+              <a:chOff x="2747442" y="3429000"/>
+              <a:chExt cx="1132426" cy="943951"/>
+            </a:xfrm>
+          </p:grpSpPr>
+          <p:pic>
+            <p:nvPicPr>
+              <p:cNvPr id="75" name="Imagen 74">
+                <a:extLst>
+                  <a:ext uri="{FF2B5EF4-FFF2-40B4-BE49-F238E27FC236}">
+                    <a16:creationId xmlns:a16="http://schemas.microsoft.com/office/drawing/2014/main" id="{D8E5D2D8-E463-4ED6-84F7-632D62E2655D}"/>
+                  </a:ext>
+                </a:extLst>
+              </p:cNvPr>
+              <p:cNvPicPr>
+                <a:picLocks noChangeAspect="1"/>
+              </p:cNvPicPr>
+              <p:nvPr/>
+            </p:nvPicPr>
+            <p:blipFill rotWithShape="1">
+              <a:blip r:embed="rId2">
+                <a:extLst>
+                  <a:ext uri="{28A0092B-C50C-407E-A947-70E740481C1C}">
+                    <a14:useLocalDpi xmlns:a14="http://schemas.microsoft.com/office/drawing/2010/main" val="0"/>
+                  </a:ext>
+                </a:extLst>
+              </a:blip>
+              <a:srcRect l="26472" t="23744" r="68841" b="67199"/>
+              <a:stretch/>
+            </p:blipFill>
+            <p:spPr>
+              <a:xfrm>
+                <a:off x="3036815" y="3429000"/>
+                <a:ext cx="553674" cy="620786"/>
+              </a:xfrm>
+              <a:prstGeom prst="rect">
+                <a:avLst/>
+              </a:prstGeom>
+            </p:spPr>
+          </p:pic>
+          <p:sp>
+            <p:nvSpPr>
+              <p:cNvPr id="76" name="CuadroTexto 75">
+                <a:extLst>
+                  <a:ext uri="{FF2B5EF4-FFF2-40B4-BE49-F238E27FC236}">
+                    <a16:creationId xmlns:a16="http://schemas.microsoft.com/office/drawing/2014/main" id="{A9110DFB-BEC1-464D-8862-1F636388858C}"/>
+                  </a:ext>
+                </a:extLst>
+              </p:cNvPr>
+              <p:cNvSpPr txBox="1"/>
+              <p:nvPr/>
+            </p:nvSpPr>
+            <p:spPr>
+              <a:xfrm>
+                <a:off x="2747442" y="4049786"/>
+                <a:ext cx="1132426" cy="323165"/>
+              </a:xfrm>
+              <a:prstGeom prst="rect">
+                <a:avLst/>
+              </a:prstGeom>
+              <a:noFill/>
+            </p:spPr>
+            <p:txBody>
+              <a:bodyPr wrap="none" rtlCol="0">
+                <a:spAutoFit/>
+              </a:bodyPr>
+              <a:lstStyle/>
+              <a:p>
+                <a:pPr algn="ctr"/>
+                <a:r>
+                  <a:rPr lang="es-ES" sz="1500" b="1" dirty="0" err="1"/>
+                  <a:t>cognitoLogs</a:t>
+                </a:r>
+                <a:endParaRPr lang="es-ES" sz="1500" b="1" dirty="0"/>
+              </a:p>
+            </p:txBody>
+          </p:sp>
+        </p:grpSp>
+        <p:grpSp>
+          <p:nvGrpSpPr>
+            <p:cNvPr id="80" name="Grupo 79">
+              <a:extLst>
+                <a:ext uri="{FF2B5EF4-FFF2-40B4-BE49-F238E27FC236}">
+                  <a16:creationId xmlns:a16="http://schemas.microsoft.com/office/drawing/2014/main" id="{701D66C9-6073-4B80-BA2B-3D9A50BF27A5}"/>
+                </a:ext>
+              </a:extLst>
+            </p:cNvPr>
+            <p:cNvGrpSpPr/>
+            <p:nvPr/>
+          </p:nvGrpSpPr>
+          <p:grpSpPr>
+            <a:xfrm>
+              <a:off x="4276708" y="4074272"/>
+              <a:ext cx="1366401" cy="1018076"/>
+              <a:chOff x="4617626" y="604008"/>
+              <a:chExt cx="1366401" cy="1018076"/>
+            </a:xfrm>
+          </p:grpSpPr>
+          <p:pic>
+            <p:nvPicPr>
+              <p:cNvPr id="81" name="Imagen 80">
+                <a:extLst>
+                  <a:ext uri="{FF2B5EF4-FFF2-40B4-BE49-F238E27FC236}">
+                    <a16:creationId xmlns:a16="http://schemas.microsoft.com/office/drawing/2014/main" id="{520136EE-BFBB-40D4-B660-8DCB9FF3446E}"/>
+                  </a:ext>
+                </a:extLst>
+              </p:cNvPr>
+              <p:cNvPicPr>
+                <a:picLocks noChangeAspect="1"/>
+              </p:cNvPicPr>
+              <p:nvPr/>
+            </p:nvPicPr>
+            <p:blipFill rotWithShape="1">
+              <a:blip r:embed="rId2">
+                <a:extLst>
+                  <a:ext uri="{28A0092B-C50C-407E-A947-70E740481C1C}">
+                    <a14:useLocalDpi xmlns:a14="http://schemas.microsoft.com/office/drawing/2010/main" val="0"/>
+                  </a:ext>
+                </a:extLst>
+              </a:blip>
+              <a:srcRect l="40747" t="8813" r="54140" b="81151"/>
+              <a:stretch/>
+            </p:blipFill>
+            <p:spPr>
+              <a:xfrm>
+                <a:off x="4999839" y="604008"/>
+                <a:ext cx="604007" cy="687898"/>
+              </a:xfrm>
+              <a:prstGeom prst="rect">
+                <a:avLst/>
+              </a:prstGeom>
+            </p:spPr>
+          </p:pic>
+          <p:sp>
+            <p:nvSpPr>
+              <p:cNvPr id="82" name="CuadroTexto 81">
+                <a:extLst>
+                  <a:ext uri="{FF2B5EF4-FFF2-40B4-BE49-F238E27FC236}">
+                    <a16:creationId xmlns:a16="http://schemas.microsoft.com/office/drawing/2014/main" id="{9483995F-A6F0-40A7-AA15-0F33174F5DE5}"/>
+                  </a:ext>
+                </a:extLst>
+              </p:cNvPr>
+              <p:cNvSpPr txBox="1"/>
+              <p:nvPr/>
+            </p:nvSpPr>
+            <p:spPr>
+              <a:xfrm>
+                <a:off x="4617626" y="1298919"/>
+                <a:ext cx="1366401" cy="323165"/>
+              </a:xfrm>
+              <a:prstGeom prst="rect">
+                <a:avLst/>
+              </a:prstGeom>
+              <a:noFill/>
+            </p:spPr>
+            <p:txBody>
+              <a:bodyPr wrap="none" rtlCol="0">
+                <a:spAutoFit/>
+              </a:bodyPr>
+              <a:lstStyle/>
+              <a:p>
+                <a:pPr algn="ctr"/>
+                <a:r>
+                  <a:rPr lang="es-ES" sz="1500" b="1" dirty="0" err="1"/>
+                  <a:t>temp_to_topic</a:t>
+                </a:r>
+                <a:endParaRPr lang="es-ES" sz="1500" b="1" dirty="0"/>
+              </a:p>
+            </p:txBody>
+          </p:sp>
+        </p:grpSp>
+        <p:cxnSp>
+          <p:nvCxnSpPr>
+            <p:cNvPr id="83" name="Conector recto de flecha 82">
+              <a:extLst>
+                <a:ext uri="{FF2B5EF4-FFF2-40B4-BE49-F238E27FC236}">
+                  <a16:creationId xmlns:a16="http://schemas.microsoft.com/office/drawing/2014/main" id="{3ADF224C-2548-434B-BE2E-D303CBE2B234}"/>
+                </a:ext>
+              </a:extLst>
+            </p:cNvPr>
+            <p:cNvCxnSpPr>
+              <a:cxnSpLocks/>
+              <a:stCxn id="81" idx="0"/>
+              <a:endCxn id="39" idx="2"/>
+            </p:cNvCxnSpPr>
+            <p:nvPr/>
+          </p:nvCxnSpPr>
+          <p:spPr>
+            <a:xfrm flipH="1" flipV="1">
+              <a:off x="4639147" y="3842576"/>
+              <a:ext cx="321778" cy="231696"/>
+            </a:xfrm>
+            <a:prstGeom prst="straightConnector1">
+              <a:avLst/>
+            </a:prstGeom>
+            <a:ln>
+              <a:tailEnd type="triangle"/>
+            </a:ln>
+          </p:spPr>
+          <p:style>
+            <a:lnRef idx="1">
+              <a:schemeClr val="accent1"/>
+            </a:lnRef>
+            <a:fillRef idx="0">
+              <a:schemeClr val="accent1"/>
+            </a:fillRef>
+            <a:effectRef idx="0">
+              <a:schemeClr val="accent1"/>
+            </a:effectRef>
+            <a:fontRef idx="minor">
+              <a:schemeClr val="tx1"/>
+            </a:fontRef>
+          </p:style>
+        </p:cxnSp>
+        <p:grpSp>
+          <p:nvGrpSpPr>
+            <p:cNvPr id="87" name="Grupo 86">
+              <a:extLst>
+                <a:ext uri="{FF2B5EF4-FFF2-40B4-BE49-F238E27FC236}">
+                  <a16:creationId xmlns:a16="http://schemas.microsoft.com/office/drawing/2014/main" id="{309C6F09-88E9-4B1B-A452-87A8E211B5E4}"/>
+                </a:ext>
+              </a:extLst>
+            </p:cNvPr>
+            <p:cNvGrpSpPr/>
+            <p:nvPr/>
+          </p:nvGrpSpPr>
+          <p:grpSpPr>
+            <a:xfrm>
+              <a:off x="8038719" y="3565234"/>
+              <a:ext cx="1188403" cy="1018076"/>
+              <a:chOff x="4706629" y="604008"/>
+              <a:chExt cx="1188403" cy="1018076"/>
+            </a:xfrm>
+          </p:grpSpPr>
+          <p:pic>
+            <p:nvPicPr>
+              <p:cNvPr id="88" name="Imagen 87">
+                <a:extLst>
+                  <a:ext uri="{FF2B5EF4-FFF2-40B4-BE49-F238E27FC236}">
+                    <a16:creationId xmlns:a16="http://schemas.microsoft.com/office/drawing/2014/main" id="{A053377A-6DAF-4058-B5A5-DF2C0ED3BF70}"/>
+                  </a:ext>
+                </a:extLst>
+              </p:cNvPr>
+              <p:cNvPicPr>
+                <a:picLocks noChangeAspect="1"/>
+              </p:cNvPicPr>
+              <p:nvPr/>
+            </p:nvPicPr>
+            <p:blipFill rotWithShape="1">
+              <a:blip r:embed="rId2">
+                <a:extLst>
+                  <a:ext uri="{28A0092B-C50C-407E-A947-70E740481C1C}">
+                    <a14:useLocalDpi xmlns:a14="http://schemas.microsoft.com/office/drawing/2010/main" val="0"/>
+                  </a:ext>
+                </a:extLst>
+              </a:blip>
+              <a:srcRect l="40747" t="8813" r="54140" b="81151"/>
+              <a:stretch/>
+            </p:blipFill>
+            <p:spPr>
+              <a:xfrm>
+                <a:off x="4999839" y="604008"/>
+                <a:ext cx="604007" cy="687898"/>
+              </a:xfrm>
+              <a:prstGeom prst="rect">
+                <a:avLst/>
+              </a:prstGeom>
+            </p:spPr>
+          </p:pic>
+          <p:sp>
+            <p:nvSpPr>
+              <p:cNvPr id="89" name="CuadroTexto 88">
+                <a:extLst>
+                  <a:ext uri="{FF2B5EF4-FFF2-40B4-BE49-F238E27FC236}">
+                    <a16:creationId xmlns:a16="http://schemas.microsoft.com/office/drawing/2014/main" id="{2CD35DA1-E938-4313-9766-ED3E6BE1EBAC}"/>
+                  </a:ext>
+                </a:extLst>
+              </p:cNvPr>
+              <p:cNvSpPr txBox="1"/>
+              <p:nvPr/>
+            </p:nvSpPr>
+            <p:spPr>
+              <a:xfrm>
+                <a:off x="4706629" y="1298919"/>
+                <a:ext cx="1188403" cy="323165"/>
+              </a:xfrm>
+              <a:prstGeom prst="rect">
+                <a:avLst/>
+              </a:prstGeom>
+              <a:noFill/>
+            </p:spPr>
+            <p:txBody>
+              <a:bodyPr wrap="none" rtlCol="0">
+                <a:spAutoFit/>
+              </a:bodyPr>
+              <a:lstStyle/>
+              <a:p>
+                <a:pPr algn="ctr"/>
+                <a:r>
+                  <a:rPr lang="es-ES" sz="1500" b="1" dirty="0" err="1"/>
+                  <a:t>getLastTemp</a:t>
+                </a:r>
+                <a:endParaRPr lang="es-ES" sz="1500" b="1" dirty="0"/>
+              </a:p>
+            </p:txBody>
+          </p:sp>
+        </p:grpSp>
+        <p:cxnSp>
+          <p:nvCxnSpPr>
+            <p:cNvPr id="111" name="Conector recto de flecha 110">
+              <a:extLst>
+                <a:ext uri="{FF2B5EF4-FFF2-40B4-BE49-F238E27FC236}">
+                  <a16:creationId xmlns:a16="http://schemas.microsoft.com/office/drawing/2014/main" id="{0A67C1F7-32AB-48AD-ADBB-BC79CC9CFC41}"/>
+                </a:ext>
+              </a:extLst>
+            </p:cNvPr>
+            <p:cNvCxnSpPr>
+              <a:cxnSpLocks/>
+              <a:stCxn id="75" idx="3"/>
+              <a:endCxn id="88" idx="0"/>
+            </p:cNvCxnSpPr>
+            <p:nvPr/>
+          </p:nvCxnSpPr>
+          <p:spPr>
+            <a:xfrm>
+              <a:off x="7826020" y="2798311"/>
+              <a:ext cx="807913" cy="766923"/>
+            </a:xfrm>
+            <a:prstGeom prst="straightConnector1">
+              <a:avLst/>
+            </a:prstGeom>
+            <a:ln>
+              <a:tailEnd type="triangle"/>
+            </a:ln>
+          </p:spPr>
+          <p:style>
+            <a:lnRef idx="1">
+              <a:schemeClr val="accent1"/>
+            </a:lnRef>
+            <a:fillRef idx="0">
+              <a:schemeClr val="accent1"/>
+            </a:fillRef>
+            <a:effectRef idx="0">
+              <a:schemeClr val="accent1"/>
+            </a:effectRef>
+            <a:fontRef idx="minor">
+              <a:schemeClr val="tx1"/>
+            </a:fontRef>
+          </p:style>
+        </p:cxnSp>
+        <p:cxnSp>
+          <p:nvCxnSpPr>
+            <p:cNvPr id="124" name="Conector recto de flecha 123">
+              <a:extLst>
+                <a:ext uri="{FF2B5EF4-FFF2-40B4-BE49-F238E27FC236}">
+                  <a16:creationId xmlns:a16="http://schemas.microsoft.com/office/drawing/2014/main" id="{26E4A1EC-FC6F-4EF2-96E0-35985A80D0E4}"/>
+                </a:ext>
+              </a:extLst>
+            </p:cNvPr>
+            <p:cNvCxnSpPr>
+              <a:cxnSpLocks/>
+              <a:stCxn id="7" idx="0"/>
+              <a:endCxn id="128" idx="2"/>
+            </p:cNvCxnSpPr>
+            <p:nvPr/>
+          </p:nvCxnSpPr>
+          <p:spPr>
+            <a:xfrm flipV="1">
+              <a:off x="7418577" y="4540554"/>
+              <a:ext cx="147706" cy="288713"/>
+            </a:xfrm>
+            <a:prstGeom prst="straightConnector1">
+              <a:avLst/>
+            </a:prstGeom>
+            <a:ln>
+              <a:tailEnd type="triangle"/>
+            </a:ln>
+          </p:spPr>
+          <p:style>
+            <a:lnRef idx="1">
+              <a:schemeClr val="accent1"/>
+            </a:lnRef>
+            <a:fillRef idx="0">
+              <a:schemeClr val="accent1"/>
+            </a:fillRef>
+            <a:effectRef idx="0">
+              <a:schemeClr val="accent1"/>
+            </a:effectRef>
+            <a:fontRef idx="minor">
+              <a:schemeClr val="tx1"/>
+            </a:fontRef>
+          </p:style>
+        </p:cxnSp>
+        <p:grpSp>
+          <p:nvGrpSpPr>
+            <p:cNvPr id="129" name="Grupo 128">
+              <a:extLst>
+                <a:ext uri="{FF2B5EF4-FFF2-40B4-BE49-F238E27FC236}">
+                  <a16:creationId xmlns:a16="http://schemas.microsoft.com/office/drawing/2014/main" id="{8923782D-F8AC-4C68-A1F1-F92688D0F928}"/>
+                </a:ext>
+              </a:extLst>
+            </p:cNvPr>
+            <p:cNvGrpSpPr/>
+            <p:nvPr/>
+          </p:nvGrpSpPr>
+          <p:grpSpPr>
+            <a:xfrm>
+              <a:off x="7053258" y="3705286"/>
+              <a:ext cx="1026050" cy="835268"/>
+              <a:chOff x="9921976" y="1886717"/>
+              <a:chExt cx="1026050" cy="835268"/>
+            </a:xfrm>
+          </p:grpSpPr>
+          <p:pic>
+            <p:nvPicPr>
+              <p:cNvPr id="123" name="Imagen 122" descr="Captura de pantalla de un celular con letras&#10;&#10;Descripción generada automáticamente">
+                <a:extLst>
+                  <a:ext uri="{FF2B5EF4-FFF2-40B4-BE49-F238E27FC236}">
+                    <a16:creationId xmlns:a16="http://schemas.microsoft.com/office/drawing/2014/main" id="{80809B52-B164-4416-9B81-B2AD55977683}"/>
+                  </a:ext>
+                </a:extLst>
+              </p:cNvPr>
+              <p:cNvPicPr>
+                <a:picLocks noChangeAspect="1"/>
+              </p:cNvPicPr>
+              <p:nvPr/>
+            </p:nvPicPr>
+            <p:blipFill rotWithShape="1">
+              <a:blip r:embed="rId6">
+                <a:extLst>
+                  <a:ext uri="{28A0092B-C50C-407E-A947-70E740481C1C}">
+                    <a14:useLocalDpi xmlns:a14="http://schemas.microsoft.com/office/drawing/2010/main" val="0"/>
+                  </a:ext>
+                </a:extLst>
+              </a:blip>
+              <a:srcRect l="38228" t="67851" r="54319" b="15690"/>
+              <a:stretch/>
+            </p:blipFill>
+            <p:spPr>
+              <a:xfrm>
+                <a:off x="10226180" y="1886717"/>
+                <a:ext cx="417638" cy="512103"/>
+              </a:xfrm>
+              <a:prstGeom prst="rect">
+                <a:avLst/>
+              </a:prstGeom>
+            </p:spPr>
+          </p:pic>
+          <p:sp>
+            <p:nvSpPr>
+              <p:cNvPr id="128" name="CuadroTexto 127">
+                <a:extLst>
+                  <a:ext uri="{FF2B5EF4-FFF2-40B4-BE49-F238E27FC236}">
+                    <a16:creationId xmlns:a16="http://schemas.microsoft.com/office/drawing/2014/main" id="{BB170B86-5305-4176-BB74-F0C7416E7C3E}"/>
+                  </a:ext>
+                </a:extLst>
+              </p:cNvPr>
+              <p:cNvSpPr txBox="1"/>
+              <p:nvPr/>
+            </p:nvSpPr>
+            <p:spPr>
+              <a:xfrm>
+                <a:off x="9921976" y="2398820"/>
+                <a:ext cx="1026050" cy="323165"/>
+              </a:xfrm>
+              <a:prstGeom prst="rect">
+                <a:avLst/>
+              </a:prstGeom>
+              <a:noFill/>
+            </p:spPr>
+            <p:txBody>
+              <a:bodyPr wrap="none" rtlCol="0">
+                <a:spAutoFit/>
+              </a:bodyPr>
+              <a:lstStyle/>
+              <a:p>
+                <a:pPr algn="ctr"/>
+                <a:r>
+                  <a:rPr lang="es-ES" sz="1500" b="1" dirty="0" err="1"/>
+                  <a:t>HeatSense</a:t>
+                </a:r>
+                <a:endParaRPr lang="es-ES" sz="1500" b="1" dirty="0"/>
+              </a:p>
+            </p:txBody>
+          </p:sp>
+        </p:grpSp>
+        <p:cxnSp>
+          <p:nvCxnSpPr>
+            <p:cNvPr id="131" name="Conector recto de flecha 130">
+              <a:extLst>
+                <a:ext uri="{FF2B5EF4-FFF2-40B4-BE49-F238E27FC236}">
+                  <a16:creationId xmlns:a16="http://schemas.microsoft.com/office/drawing/2014/main" id="{74D2AB34-CE9A-4F36-AFFF-69AD1533AE79}"/>
+                </a:ext>
+              </a:extLst>
+            </p:cNvPr>
+            <p:cNvCxnSpPr>
+              <a:cxnSpLocks/>
+              <a:stCxn id="123" idx="3"/>
+              <a:endCxn id="88" idx="1"/>
+            </p:cNvCxnSpPr>
+            <p:nvPr/>
+          </p:nvCxnSpPr>
+          <p:spPr>
+            <a:xfrm flipV="1">
+              <a:off x="7775100" y="3909183"/>
+              <a:ext cx="556829" cy="52155"/>
+            </a:xfrm>
+            <a:prstGeom prst="straightConnector1">
+              <a:avLst/>
+            </a:prstGeom>
+            <a:ln>
+              <a:tailEnd type="triangle"/>
+            </a:ln>
+          </p:spPr>
+          <p:style>
+            <a:lnRef idx="1">
+              <a:schemeClr val="accent1"/>
+            </a:lnRef>
+            <a:fillRef idx="0">
+              <a:schemeClr val="accent1"/>
+            </a:fillRef>
+            <a:effectRef idx="0">
+              <a:schemeClr val="accent1"/>
+            </a:effectRef>
+            <a:fontRef idx="minor">
+              <a:schemeClr val="tx1"/>
+            </a:fontRef>
+          </p:style>
+        </p:cxnSp>
+        <p:cxnSp>
+          <p:nvCxnSpPr>
+            <p:cNvPr id="52" name="Conector recto de flecha 51">
+              <a:extLst>
+                <a:ext uri="{FF2B5EF4-FFF2-40B4-BE49-F238E27FC236}">
+                  <a16:creationId xmlns:a16="http://schemas.microsoft.com/office/drawing/2014/main" id="{5DB5519C-C294-49B3-9519-DFCDF0A63F31}"/>
+                </a:ext>
+              </a:extLst>
+            </p:cNvPr>
+            <p:cNvCxnSpPr>
+              <a:cxnSpLocks/>
+              <a:stCxn id="24" idx="1"/>
+              <a:endCxn id="81" idx="3"/>
+            </p:cNvCxnSpPr>
+            <p:nvPr/>
+          </p:nvCxnSpPr>
+          <p:spPr>
+            <a:xfrm flipH="1">
+              <a:off x="5262928" y="4418221"/>
+              <a:ext cx="492065" cy="0"/>
             </a:xfrm>
             <a:prstGeom prst="straightConnector1">
               <a:avLst/>
@@ -4862,6 +5831,141 @@
       </p:grpSpPr>
       <p:pic>
         <p:nvPicPr>
+          <p:cNvPr id="5" name="Imagen 4" descr="Captura de pantalla de un celular&#10;&#10;Descripción generada automáticamente">
+            <a:extLst>
+              <a:ext uri="{FF2B5EF4-FFF2-40B4-BE49-F238E27FC236}">
+                <a16:creationId xmlns:a16="http://schemas.microsoft.com/office/drawing/2014/main" id="{7A33F29D-9837-4F17-861F-0C6138F1212E}"/>
+              </a:ext>
+            </a:extLst>
+          </p:cNvPr>
+          <p:cNvPicPr>
+            <a:picLocks noChangeAspect="1"/>
+          </p:cNvPicPr>
+          <p:nvPr/>
+        </p:nvPicPr>
+        <p:blipFill rotWithShape="1">
+          <a:blip r:embed="rId2">
+            <a:extLst>
+              <a:ext uri="{28A0092B-C50C-407E-A947-70E740481C1C}">
+                <a14:useLocalDpi xmlns:a14="http://schemas.microsoft.com/office/drawing/2010/main" val="0"/>
+              </a:ext>
+            </a:extLst>
+          </a:blip>
+          <a:srcRect l="75092" t="41860" r="12741" b="34677"/>
+          <a:stretch/>
+        </p:blipFill>
+        <p:spPr>
+          <a:xfrm>
+            <a:off x="9639635" y="1035527"/>
+            <a:ext cx="1392573" cy="1493240"/>
+          </a:xfrm>
+          <a:prstGeom prst="rect">
+            <a:avLst/>
+          </a:prstGeom>
+        </p:spPr>
+      </p:pic>
+      <p:pic>
+        <p:nvPicPr>
+          <p:cNvPr id="3" name="Imagen 2" descr="Imagen que contiene cuarto, señal, reloj&#10;&#10;Descripción generada automáticamente">
+            <a:extLst>
+              <a:ext uri="{FF2B5EF4-FFF2-40B4-BE49-F238E27FC236}">
+                <a16:creationId xmlns:a16="http://schemas.microsoft.com/office/drawing/2014/main" id="{AD2D2200-5A43-450F-BE5B-2668C9B89945}"/>
+              </a:ext>
+            </a:extLst>
+          </p:cNvPr>
+          <p:cNvPicPr>
+            <a:picLocks noChangeAspect="1"/>
+          </p:cNvPicPr>
+          <p:nvPr/>
+        </p:nvPicPr>
+        <p:blipFill rotWithShape="1">
+          <a:blip r:embed="rId3">
+            <a:extLst>
+              <a:ext uri="{28A0092B-C50C-407E-A947-70E740481C1C}">
+                <a14:useLocalDpi xmlns:a14="http://schemas.microsoft.com/office/drawing/2010/main" val="0"/>
+              </a:ext>
+            </a:extLst>
+          </a:blip>
+          <a:srcRect l="-396" t="65064" r="80324" b="1595"/>
+          <a:stretch/>
+        </p:blipFill>
+        <p:spPr>
+          <a:xfrm>
+            <a:off x="2533345" y="5267131"/>
+            <a:ext cx="946974" cy="975220"/>
+          </a:xfrm>
+          <a:prstGeom prst="rect">
+            <a:avLst/>
+          </a:prstGeom>
+        </p:spPr>
+      </p:pic>
+      <p:pic>
+        <p:nvPicPr>
+          <p:cNvPr id="6" name="Imagen 5" descr="Captura de pantalla de un celular&#10;&#10;Descripción generada automáticamente">
+            <a:extLst>
+              <a:ext uri="{FF2B5EF4-FFF2-40B4-BE49-F238E27FC236}">
+                <a16:creationId xmlns:a16="http://schemas.microsoft.com/office/drawing/2014/main" id="{3AF1EAE6-D262-4E44-9862-F8C17A37D7ED}"/>
+              </a:ext>
+            </a:extLst>
+          </p:cNvPr>
+          <p:cNvPicPr>
+            <a:picLocks noChangeAspect="1"/>
+          </p:cNvPicPr>
+          <p:nvPr/>
+        </p:nvPicPr>
+        <p:blipFill rotWithShape="1">
+          <a:blip r:embed="rId4">
+            <a:extLst>
+              <a:ext uri="{28A0092B-C50C-407E-A947-70E740481C1C}">
+                <a14:useLocalDpi xmlns:a14="http://schemas.microsoft.com/office/drawing/2010/main" val="0"/>
+              </a:ext>
+            </a:extLst>
+          </a:blip>
+          <a:srcRect l="51454" t="75042" r="38992" b="7037"/>
+          <a:stretch/>
+        </p:blipFill>
+        <p:spPr>
+          <a:xfrm>
+            <a:off x="5980922" y="3536302"/>
+            <a:ext cx="942392" cy="895739"/>
+          </a:xfrm>
+          <a:prstGeom prst="rect">
+            <a:avLst/>
+          </a:prstGeom>
+        </p:spPr>
+      </p:pic>
+    </p:spTree>
+    <p:extLst>
+      <p:ext uri="{BB962C8B-B14F-4D97-AF65-F5344CB8AC3E}">
+        <p14:creationId xmlns:p14="http://schemas.microsoft.com/office/powerpoint/2010/main" val="2222123918"/>
+      </p:ext>
+    </p:extLst>
+  </p:cSld>
+  <p:clrMapOvr>
+    <a:masterClrMapping/>
+  </p:clrMapOvr>
+</p:sld>
+</file>
+
+<file path=ppt/slides/slide4.xml><?xml version="1.0" encoding="utf-8"?>
+<p:sld xmlns:a="http://schemas.openxmlformats.org/drawingml/2006/main" xmlns:r="http://schemas.openxmlformats.org/officeDocument/2006/relationships" xmlns:p="http://schemas.openxmlformats.org/presentationml/2006/main">
+  <p:cSld>
+    <p:spTree>
+      <p:nvGrpSpPr>
+        <p:cNvPr id="1" name=""/>
+        <p:cNvGrpSpPr/>
+        <p:nvPr/>
+      </p:nvGrpSpPr>
+      <p:grpSpPr>
+        <a:xfrm>
+          <a:off x="0" y="0"/>
+          <a:ext cx="0" cy="0"/>
+          <a:chOff x="0" y="0"/>
+          <a:chExt cx="0" cy="0"/>
+        </a:xfrm>
+      </p:grpSpPr>
+      <p:pic>
+        <p:nvPicPr>
           <p:cNvPr id="5" name="Imagen 4">
             <a:extLst>
               <a:ext uri="{FF2B5EF4-FFF2-40B4-BE49-F238E27FC236}">
@@ -4900,6 +6004,137 @@
     <p:extLst>
       <p:ext uri="{BB962C8B-B14F-4D97-AF65-F5344CB8AC3E}">
         <p14:creationId xmlns:p14="http://schemas.microsoft.com/office/powerpoint/2010/main" val="236229446"/>
+      </p:ext>
+    </p:extLst>
+  </p:cSld>
+  <p:clrMapOvr>
+    <a:masterClrMapping/>
+  </p:clrMapOvr>
+</p:sld>
+</file>
+
+<file path=ppt/slides/slide5.xml><?xml version="1.0" encoding="utf-8"?>
+<p:sld xmlns:a="http://schemas.openxmlformats.org/drawingml/2006/main" xmlns:r="http://schemas.openxmlformats.org/officeDocument/2006/relationships" xmlns:p="http://schemas.openxmlformats.org/presentationml/2006/main">
+  <p:cSld>
+    <p:spTree>
+      <p:nvGrpSpPr>
+        <p:cNvPr id="1" name=""/>
+        <p:cNvGrpSpPr/>
+        <p:nvPr/>
+      </p:nvGrpSpPr>
+      <p:grpSpPr>
+        <a:xfrm>
+          <a:off x="0" y="0"/>
+          <a:ext cx="0" cy="0"/>
+          <a:chOff x="0" y="0"/>
+          <a:chExt cx="0" cy="0"/>
+        </a:xfrm>
+      </p:grpSpPr>
+      <p:pic>
+        <p:nvPicPr>
+          <p:cNvPr id="7" name="Imagen 6" descr="Captura de pantalla de un celular con letras&#10;&#10;Descripción generada automáticamente">
+            <a:extLst>
+              <a:ext uri="{FF2B5EF4-FFF2-40B4-BE49-F238E27FC236}">
+                <a16:creationId xmlns:a16="http://schemas.microsoft.com/office/drawing/2014/main" id="{D5D8B698-4545-4A9F-B6E2-020ADD350F25}"/>
+              </a:ext>
+            </a:extLst>
+          </p:cNvPr>
+          <p:cNvPicPr>
+            <a:picLocks noChangeAspect="1"/>
+          </p:cNvPicPr>
+          <p:nvPr/>
+        </p:nvPicPr>
+        <p:blipFill rotWithShape="1">
+          <a:blip r:embed="rId2">
+            <a:extLst>
+              <a:ext uri="{28A0092B-C50C-407E-A947-70E740481C1C}">
+                <a14:useLocalDpi xmlns:a14="http://schemas.microsoft.com/office/drawing/2010/main" val="0"/>
+              </a:ext>
+            </a:extLst>
+          </a:blip>
+          <a:srcRect l="38228" t="67851" r="54319" b="15690"/>
+          <a:stretch/>
+        </p:blipFill>
+        <p:spPr>
+          <a:xfrm>
+            <a:off x="4479721" y="4840449"/>
+            <a:ext cx="704676" cy="864066"/>
+          </a:xfrm>
+          <a:prstGeom prst="rect">
+            <a:avLst/>
+          </a:prstGeom>
+        </p:spPr>
+      </p:pic>
+    </p:spTree>
+    <p:extLst>
+      <p:ext uri="{BB962C8B-B14F-4D97-AF65-F5344CB8AC3E}">
+        <p14:creationId xmlns:p14="http://schemas.microsoft.com/office/powerpoint/2010/main" val="3486380790"/>
+      </p:ext>
+    </p:extLst>
+  </p:cSld>
+  <p:clrMapOvr>
+    <a:masterClrMapping/>
+  </p:clrMapOvr>
+</p:sld>
+</file>
+
+<file path=ppt/slides/slide6.xml><?xml version="1.0" encoding="utf-8"?>
+<p:sld xmlns:a="http://schemas.openxmlformats.org/drawingml/2006/main" xmlns:r="http://schemas.openxmlformats.org/officeDocument/2006/relationships" xmlns:p="http://schemas.openxmlformats.org/presentationml/2006/main">
+  <p:cSld>
+    <p:spTree>
+      <p:nvGrpSpPr>
+        <p:cNvPr id="1" name=""/>
+        <p:cNvGrpSpPr/>
+        <p:nvPr/>
+      </p:nvGrpSpPr>
+      <p:grpSpPr>
+        <a:xfrm>
+          <a:off x="0" y="0"/>
+          <a:ext cx="0" cy="0"/>
+          <a:chOff x="0" y="0"/>
+          <a:chExt cx="0" cy="0"/>
+        </a:xfrm>
+      </p:grpSpPr>
+      <p:pic>
+        <p:nvPicPr>
+          <p:cNvPr id="5" name="Imagen 4" descr="Captura de pantalla de un celular&#10;&#10;Descripción generada automáticamente">
+            <a:extLst>
+              <a:ext uri="{FF2B5EF4-FFF2-40B4-BE49-F238E27FC236}">
+                <a16:creationId xmlns:a16="http://schemas.microsoft.com/office/drawing/2014/main" id="{7A33F29D-9837-4F17-861F-0C6138F1212E}"/>
+              </a:ext>
+            </a:extLst>
+          </p:cNvPr>
+          <p:cNvPicPr>
+            <a:picLocks noChangeAspect="1"/>
+          </p:cNvPicPr>
+          <p:nvPr/>
+        </p:nvPicPr>
+        <p:blipFill>
+          <a:blip r:embed="rId2">
+            <a:extLst>
+              <a:ext uri="{28A0092B-C50C-407E-A947-70E740481C1C}">
+                <a14:useLocalDpi xmlns:a14="http://schemas.microsoft.com/office/drawing/2010/main" val="0"/>
+              </a:ext>
+            </a:extLst>
+          </a:blip>
+          <a:stretch>
+            <a:fillRect/>
+          </a:stretch>
+        </p:blipFill>
+        <p:spPr>
+          <a:xfrm>
+            <a:off x="373346" y="246925"/>
+            <a:ext cx="11445307" cy="6364150"/>
+          </a:xfrm>
+          <a:prstGeom prst="rect">
+            <a:avLst/>
+          </a:prstGeom>
+        </p:spPr>
+      </p:pic>
+    </p:spTree>
+    <p:extLst>
+      <p:ext uri="{BB962C8B-B14F-4D97-AF65-F5344CB8AC3E}">
+        <p14:creationId xmlns:p14="http://schemas.microsoft.com/office/powerpoint/2010/main" val="1297875003"/>
       </p:ext>
     </p:extLst>
   </p:cSld>

--- a/Documentación/draft design/bocetos estructura/design.pptx
+++ b/Documentación/draft design/bocetos estructura/design.pptx
@@ -3333,10 +3333,10 @@
       </p:grpSpPr>
       <p:grpSp>
         <p:nvGrpSpPr>
-          <p:cNvPr id="9" name="Grupo 8">
-            <a:extLst>
-              <a:ext uri="{FF2B5EF4-FFF2-40B4-BE49-F238E27FC236}">
-                <a16:creationId xmlns:a16="http://schemas.microsoft.com/office/drawing/2014/main" id="{127DE67C-23A8-432C-A3A5-B26690291335}"/>
+          <p:cNvPr id="3" name="Grupo 2">
+            <a:extLst>
+              <a:ext uri="{FF2B5EF4-FFF2-40B4-BE49-F238E27FC236}">
+                <a16:creationId xmlns:a16="http://schemas.microsoft.com/office/drawing/2014/main" id="{963ADC5C-43B1-4F96-A5DD-8B606D96570D}"/>
               </a:ext>
             </a:extLst>
           </p:cNvPr>
@@ -3346,9 +3346,9 @@
         <p:grpSpPr>
           <a:xfrm>
             <a:off x="4027165" y="1321199"/>
-            <a:ext cx="5199957" cy="4832236"/>
+            <a:ext cx="5051621" cy="4832236"/>
             <a:chOff x="4027165" y="1321199"/>
-            <a:chExt cx="5199957" cy="4832236"/>
+            <a:chExt cx="5051621" cy="4832236"/>
           </a:xfrm>
         </p:grpSpPr>
         <p:grpSp>
@@ -3504,8 +3504,8 @@
           </p:nvCxnSpPr>
           <p:spPr>
             <a:xfrm flipH="1">
-              <a:off x="7829637" y="4583310"/>
-              <a:ext cx="803284" cy="732519"/>
+              <a:off x="7829637" y="4447302"/>
+              <a:ext cx="654948" cy="868527"/>
             </a:xfrm>
             <a:prstGeom prst="straightConnector1">
               <a:avLst/>
@@ -4394,9 +4394,9 @@
             <p:nvPr/>
           </p:nvCxnSpPr>
           <p:spPr>
-            <a:xfrm flipV="1">
-              <a:off x="6855360" y="2798311"/>
-              <a:ext cx="416986" cy="33556"/>
+            <a:xfrm>
+              <a:off x="6855360" y="2831867"/>
+              <a:ext cx="283731" cy="291803"/>
             </a:xfrm>
             <a:prstGeom prst="straightConnector1">
               <a:avLst/>
@@ -4434,7 +4434,7 @@
           </p:nvGrpSpPr>
           <p:grpSpPr>
             <a:xfrm>
-              <a:off x="6982973" y="2487918"/>
+              <a:off x="6849718" y="2813277"/>
               <a:ext cx="1132426" cy="943951"/>
               <a:chOff x="2747442" y="3429000"/>
               <a:chExt cx="1132426" cy="943951"/>
@@ -4663,7 +4663,7 @@
           </p:nvGrpSpPr>
           <p:grpSpPr>
             <a:xfrm>
-              <a:off x="8038719" y="3565234"/>
+              <a:off x="7890383" y="3429226"/>
               <a:ext cx="1188403" cy="1018076"/>
               <a:chOff x="4706629" y="604008"/>
               <a:chExt cx="1188403" cy="1018076"/>
@@ -4753,15 +4753,15 @@
             </p:cNvPr>
             <p:cNvCxnSpPr>
               <a:cxnSpLocks/>
-              <a:stCxn id="75" idx="3"/>
+              <a:stCxn id="49" idx="3"/>
               <a:endCxn id="88" idx="0"/>
             </p:cNvCxnSpPr>
             <p:nvPr/>
           </p:nvCxnSpPr>
           <p:spPr>
             <a:xfrm>
-              <a:off x="7826020" y="2798311"/>
-              <a:ext cx="807913" cy="766923"/>
+              <a:off x="6833524" y="1631592"/>
+              <a:ext cx="1652073" cy="1797634"/>
             </a:xfrm>
             <a:prstGeom prst="straightConnector1">
               <a:avLst/>
@@ -4802,9 +4802,9 @@
             <p:nvPr/>
           </p:nvCxnSpPr>
           <p:spPr>
-            <a:xfrm flipV="1">
-              <a:off x="7418577" y="4540554"/>
-              <a:ext cx="147706" cy="288713"/>
+            <a:xfrm flipH="1" flipV="1">
+              <a:off x="7385103" y="4635014"/>
+              <a:ext cx="33474" cy="194253"/>
             </a:xfrm>
             <a:prstGeom prst="straightConnector1">
               <a:avLst/>
@@ -4842,7 +4842,7 @@
           </p:nvGrpSpPr>
           <p:grpSpPr>
             <a:xfrm>
-              <a:off x="7053258" y="3705286"/>
+              <a:off x="6872078" y="3799746"/>
               <a:ext cx="1026050" cy="835268"/>
               <a:chOff x="9921976" y="1886717"/>
               <a:chExt cx="1026050" cy="835268"/>
@@ -4939,8 +4939,8 @@
           </p:nvCxnSpPr>
           <p:spPr>
             <a:xfrm flipV="1">
-              <a:off x="7775100" y="3909183"/>
-              <a:ext cx="556829" cy="52155"/>
+              <a:off x="7593920" y="3773175"/>
+              <a:ext cx="589673" cy="282623"/>
             </a:xfrm>
             <a:prstGeom prst="straightConnector1">
               <a:avLst/>
